--- a/Figures/2022_05_12/Figure2 - compiled.pptx
+++ b/Figures/2022_05_12/Figure2 - compiled.pptx
@@ -2,18 +2,18 @@
 <file path=ppt/presentation.xml><?xml version="1.0" encoding="utf-8"?>
 <p:presentation xmlns:a="http://schemas.openxmlformats.org/drawingml/2006/main" xmlns:r="http://schemas.openxmlformats.org/officeDocument/2006/relationships" xmlns:p="http://schemas.openxmlformats.org/presentationml/2006/main" saveSubsetFonts="1" autoCompressPictures="0">
   <p:sldMasterIdLst>
-    <p:sldMasterId id="2147483648" r:id="rId1"/>
+    <p:sldMasterId id="2147483672" r:id="rId1"/>
   </p:sldMasterIdLst>
   <p:sldIdLst>
     <p:sldId id="256" r:id="rId2"/>
   </p:sldIdLst>
-  <p:sldSz cx="12192000" cy="6858000"/>
+  <p:sldSz cx="6858000" cy="9144000" type="letter"/>
   <p:notesSz cx="6858000" cy="9144000"/>
   <p:defaultTextStyle>
     <a:defPPr>
       <a:defRPr lang="en-US"/>
     </a:defPPr>
-    <a:lvl1pPr marL="0" algn="l" defTabSz="914400" rtl="0" eaLnBrk="1" latinLnBrk="0" hangingPunct="1">
+    <a:lvl1pPr marL="0" algn="l" defTabSz="457200" rtl="0" eaLnBrk="1" latinLnBrk="0" hangingPunct="1">
       <a:defRPr sz="1800" kern="1200">
         <a:solidFill>
           <a:schemeClr val="tx1"/>
@@ -23,7 +23,7 @@
         <a:cs typeface="+mn-cs"/>
       </a:defRPr>
     </a:lvl1pPr>
-    <a:lvl2pPr marL="457200" algn="l" defTabSz="914400" rtl="0" eaLnBrk="1" latinLnBrk="0" hangingPunct="1">
+    <a:lvl2pPr marL="457200" algn="l" defTabSz="457200" rtl="0" eaLnBrk="1" latinLnBrk="0" hangingPunct="1">
       <a:defRPr sz="1800" kern="1200">
         <a:solidFill>
           <a:schemeClr val="tx1"/>
@@ -33,7 +33,7 @@
         <a:cs typeface="+mn-cs"/>
       </a:defRPr>
     </a:lvl2pPr>
-    <a:lvl3pPr marL="914400" algn="l" defTabSz="914400" rtl="0" eaLnBrk="1" latinLnBrk="0" hangingPunct="1">
+    <a:lvl3pPr marL="914400" algn="l" defTabSz="457200" rtl="0" eaLnBrk="1" latinLnBrk="0" hangingPunct="1">
       <a:defRPr sz="1800" kern="1200">
         <a:solidFill>
           <a:schemeClr val="tx1"/>
@@ -43,7 +43,7 @@
         <a:cs typeface="+mn-cs"/>
       </a:defRPr>
     </a:lvl3pPr>
-    <a:lvl4pPr marL="1371600" algn="l" defTabSz="914400" rtl="0" eaLnBrk="1" latinLnBrk="0" hangingPunct="1">
+    <a:lvl4pPr marL="1371600" algn="l" defTabSz="457200" rtl="0" eaLnBrk="1" latinLnBrk="0" hangingPunct="1">
       <a:defRPr sz="1800" kern="1200">
         <a:solidFill>
           <a:schemeClr val="tx1"/>
@@ -53,7 +53,7 @@
         <a:cs typeface="+mn-cs"/>
       </a:defRPr>
     </a:lvl4pPr>
-    <a:lvl5pPr marL="1828800" algn="l" defTabSz="914400" rtl="0" eaLnBrk="1" latinLnBrk="0" hangingPunct="1">
+    <a:lvl5pPr marL="1828800" algn="l" defTabSz="457200" rtl="0" eaLnBrk="1" latinLnBrk="0" hangingPunct="1">
       <a:defRPr sz="1800" kern="1200">
         <a:solidFill>
           <a:schemeClr val="tx1"/>
@@ -63,7 +63,7 @@
         <a:cs typeface="+mn-cs"/>
       </a:defRPr>
     </a:lvl5pPr>
-    <a:lvl6pPr marL="2286000" algn="l" defTabSz="914400" rtl="0" eaLnBrk="1" latinLnBrk="0" hangingPunct="1">
+    <a:lvl6pPr marL="2286000" algn="l" defTabSz="457200" rtl="0" eaLnBrk="1" latinLnBrk="0" hangingPunct="1">
       <a:defRPr sz="1800" kern="1200">
         <a:solidFill>
           <a:schemeClr val="tx1"/>
@@ -73,7 +73,7 @@
         <a:cs typeface="+mn-cs"/>
       </a:defRPr>
     </a:lvl6pPr>
-    <a:lvl7pPr marL="2743200" algn="l" defTabSz="914400" rtl="0" eaLnBrk="1" latinLnBrk="0" hangingPunct="1">
+    <a:lvl7pPr marL="2743200" algn="l" defTabSz="457200" rtl="0" eaLnBrk="1" latinLnBrk="0" hangingPunct="1">
       <a:defRPr sz="1800" kern="1200">
         <a:solidFill>
           <a:schemeClr val="tx1"/>
@@ -83,7 +83,7 @@
         <a:cs typeface="+mn-cs"/>
       </a:defRPr>
     </a:lvl7pPr>
-    <a:lvl8pPr marL="3200400" algn="l" defTabSz="914400" rtl="0" eaLnBrk="1" latinLnBrk="0" hangingPunct="1">
+    <a:lvl8pPr marL="3200400" algn="l" defTabSz="457200" rtl="0" eaLnBrk="1" latinLnBrk="0" hangingPunct="1">
       <a:defRPr sz="1800" kern="1200">
         <a:solidFill>
           <a:schemeClr val="tx1"/>
@@ -93,7 +93,7 @@
         <a:cs typeface="+mn-cs"/>
       </a:defRPr>
     </a:lvl8pPr>
-    <a:lvl9pPr marL="3657600" algn="l" defTabSz="914400" rtl="0" eaLnBrk="1" latinLnBrk="0" hangingPunct="1">
+    <a:lvl9pPr marL="3657600" algn="l" defTabSz="457200" rtl="0" eaLnBrk="1" latinLnBrk="0" hangingPunct="1">
       <a:defRPr sz="1800" kern="1200">
         <a:solidFill>
           <a:schemeClr val="tx1"/>
@@ -126,13 +126,7 @@
       </p:grpSpPr>
       <p:sp>
         <p:nvSpPr>
-          <p:cNvPr id="2" name="Title 1">
-            <a:extLst>
-              <a:ext uri="{FF2B5EF4-FFF2-40B4-BE49-F238E27FC236}">
-                <a16:creationId xmlns:a16="http://schemas.microsoft.com/office/drawing/2014/main" id="{649BAB87-164A-B1DA-40FB-BF24A474D2CF}"/>
-              </a:ext>
-            </a:extLst>
-          </p:cNvPr>
+          <p:cNvPr id="2" name="Title 1"/>
           <p:cNvSpPr>
             <a:spLocks noGrp="1"/>
           </p:cNvSpPr>
@@ -142,15 +136,15 @@
         </p:nvSpPr>
         <p:spPr>
           <a:xfrm>
-            <a:off x="1524000" y="1122363"/>
-            <a:ext cx="9144000" cy="2387600"/>
+            <a:off x="514350" y="1496484"/>
+            <a:ext cx="5829300" cy="3183467"/>
           </a:xfrm>
         </p:spPr>
         <p:txBody>
           <a:bodyPr anchor="b"/>
           <a:lstStyle>
             <a:lvl1pPr algn="ctr">
-              <a:defRPr sz="6000"/>
+              <a:defRPr sz="4500"/>
             </a:lvl1pPr>
           </a:lstStyle>
           <a:p>
@@ -158,18 +152,13 @@
               <a:rPr lang="en-US"/>
               <a:t>Click to edit Master title style</a:t>
             </a:r>
-          </a:p>
-        </p:txBody>
-      </p:sp>
-      <p:sp>
-        <p:nvSpPr>
-          <p:cNvPr id="3" name="Subtitle 2">
-            <a:extLst>
-              <a:ext uri="{FF2B5EF4-FFF2-40B4-BE49-F238E27FC236}">
-                <a16:creationId xmlns:a16="http://schemas.microsoft.com/office/drawing/2014/main" id="{E636A96F-DE3E-C612-4C41-51A8A8EA57BB}"/>
-              </a:ext>
-            </a:extLst>
-          </p:cNvPr>
+            <a:endParaRPr lang="en-US" dirty="0"/>
+          </a:p>
+        </p:txBody>
+      </p:sp>
+      <p:sp>
+        <p:nvSpPr>
+          <p:cNvPr id="3" name="Subtitle 2"/>
           <p:cNvSpPr>
             <a:spLocks noGrp="1"/>
           </p:cNvSpPr>
@@ -179,8 +168,8 @@
         </p:nvSpPr>
         <p:spPr>
           <a:xfrm>
-            <a:off x="1524000" y="3602038"/>
-            <a:ext cx="9144000" cy="1655762"/>
+            <a:off x="857250" y="4802717"/>
+            <a:ext cx="5143500" cy="2207683"/>
           </a:xfrm>
         </p:spPr>
         <p:txBody>
@@ -188,39 +177,39 @@
           <a:lstStyle>
             <a:lvl1pPr marL="0" indent="0" algn="ctr">
               <a:buNone/>
-              <a:defRPr sz="2400"/>
+              <a:defRPr sz="1800"/>
             </a:lvl1pPr>
-            <a:lvl2pPr marL="457200" indent="0" algn="ctr">
-              <a:buNone/>
-              <a:defRPr sz="2000"/>
+            <a:lvl2pPr marL="342900" indent="0" algn="ctr">
+              <a:buNone/>
+              <a:defRPr sz="1500"/>
             </a:lvl2pPr>
-            <a:lvl3pPr marL="914400" indent="0" algn="ctr">
-              <a:buNone/>
-              <a:defRPr sz="1800"/>
+            <a:lvl3pPr marL="685800" indent="0" algn="ctr">
+              <a:buNone/>
+              <a:defRPr sz="1350"/>
             </a:lvl3pPr>
-            <a:lvl4pPr marL="1371600" indent="0" algn="ctr">
-              <a:buNone/>
-              <a:defRPr sz="1600"/>
+            <a:lvl4pPr marL="1028700" indent="0" algn="ctr">
+              <a:buNone/>
+              <a:defRPr sz="1200"/>
             </a:lvl4pPr>
-            <a:lvl5pPr marL="1828800" indent="0" algn="ctr">
-              <a:buNone/>
-              <a:defRPr sz="1600"/>
+            <a:lvl5pPr marL="1371600" indent="0" algn="ctr">
+              <a:buNone/>
+              <a:defRPr sz="1200"/>
             </a:lvl5pPr>
-            <a:lvl6pPr marL="2286000" indent="0" algn="ctr">
-              <a:buNone/>
-              <a:defRPr sz="1600"/>
+            <a:lvl6pPr marL="1714500" indent="0" algn="ctr">
+              <a:buNone/>
+              <a:defRPr sz="1200"/>
             </a:lvl6pPr>
-            <a:lvl7pPr marL="2743200" indent="0" algn="ctr">
-              <a:buNone/>
-              <a:defRPr sz="1600"/>
+            <a:lvl7pPr marL="2057400" indent="0" algn="ctr">
+              <a:buNone/>
+              <a:defRPr sz="1200"/>
             </a:lvl7pPr>
-            <a:lvl8pPr marL="3200400" indent="0" algn="ctr">
-              <a:buNone/>
-              <a:defRPr sz="1600"/>
+            <a:lvl8pPr marL="2400300" indent="0" algn="ctr">
+              <a:buNone/>
+              <a:defRPr sz="1200"/>
             </a:lvl8pPr>
-            <a:lvl9pPr marL="3657600" indent="0" algn="ctr">
-              <a:buNone/>
-              <a:defRPr sz="1600"/>
+            <a:lvl9pPr marL="2743200" indent="0" algn="ctr">
+              <a:buNone/>
+              <a:defRPr sz="1200"/>
             </a:lvl9pPr>
           </a:lstStyle>
           <a:p>
@@ -228,18 +217,13 @@
               <a:rPr lang="en-US"/>
               <a:t>Click to edit Master subtitle style</a:t>
             </a:r>
-          </a:p>
-        </p:txBody>
-      </p:sp>
-      <p:sp>
-        <p:nvSpPr>
-          <p:cNvPr id="4" name="Date Placeholder 3">
-            <a:extLst>
-              <a:ext uri="{FF2B5EF4-FFF2-40B4-BE49-F238E27FC236}">
-                <a16:creationId xmlns:a16="http://schemas.microsoft.com/office/drawing/2014/main" id="{2974B01D-13ED-25D1-8171-DE82F800C65A}"/>
-              </a:ext>
-            </a:extLst>
-          </p:cNvPr>
+            <a:endParaRPr lang="en-US" dirty="0"/>
+          </a:p>
+        </p:txBody>
+      </p:sp>
+      <p:sp>
+        <p:nvSpPr>
+          <p:cNvPr id="4" name="Date Placeholder 3"/>
           <p:cNvSpPr>
             <a:spLocks noGrp="1"/>
           </p:cNvSpPr>
@@ -262,13 +246,7 @@
       </p:sp>
       <p:sp>
         <p:nvSpPr>
-          <p:cNvPr id="5" name="Footer Placeholder 4">
-            <a:extLst>
-              <a:ext uri="{FF2B5EF4-FFF2-40B4-BE49-F238E27FC236}">
-                <a16:creationId xmlns:a16="http://schemas.microsoft.com/office/drawing/2014/main" id="{6F97D048-2B65-E6F0-73F5-59681F90244D}"/>
-              </a:ext>
-            </a:extLst>
-          </p:cNvPr>
+          <p:cNvPr id="5" name="Footer Placeholder 4"/>
           <p:cNvSpPr>
             <a:spLocks noGrp="1"/>
           </p:cNvSpPr>
@@ -287,13 +265,7 @@
       </p:sp>
       <p:sp>
         <p:nvSpPr>
-          <p:cNvPr id="6" name="Slide Number Placeholder 5">
-            <a:extLst>
-              <a:ext uri="{FF2B5EF4-FFF2-40B4-BE49-F238E27FC236}">
-                <a16:creationId xmlns:a16="http://schemas.microsoft.com/office/drawing/2014/main" id="{110EA60B-9752-13BC-A07B-239F918B4962}"/>
-              </a:ext>
-            </a:extLst>
-          </p:cNvPr>
+          <p:cNvPr id="6" name="Slide Number Placeholder 5"/>
           <p:cNvSpPr>
             <a:spLocks noGrp="1"/>
           </p:cNvSpPr>
@@ -317,7 +289,7 @@
     </p:spTree>
     <p:extLst>
       <p:ext uri="{BB962C8B-B14F-4D97-AF65-F5344CB8AC3E}">
-        <p14:creationId xmlns:p14="http://schemas.microsoft.com/office/powerpoint/2010/main" val="1376794553"/>
+        <p14:creationId xmlns:p14="http://schemas.microsoft.com/office/powerpoint/2010/main" val="3614120012"/>
       </p:ext>
     </p:extLst>
   </p:cSld>
@@ -346,13 +318,7 @@
       </p:grpSpPr>
       <p:sp>
         <p:nvSpPr>
-          <p:cNvPr id="2" name="Title 1">
-            <a:extLst>
-              <a:ext uri="{FF2B5EF4-FFF2-40B4-BE49-F238E27FC236}">
-                <a16:creationId xmlns:a16="http://schemas.microsoft.com/office/drawing/2014/main" id="{90315366-018D-C721-6593-EC13B55B2E2A}"/>
-              </a:ext>
-            </a:extLst>
-          </p:cNvPr>
+          <p:cNvPr id="2" name="Title 1"/>
           <p:cNvSpPr>
             <a:spLocks noGrp="1"/>
           </p:cNvSpPr>
@@ -369,18 +335,13 @@
               <a:rPr lang="en-US"/>
               <a:t>Click to edit Master title style</a:t>
             </a:r>
-          </a:p>
-        </p:txBody>
-      </p:sp>
-      <p:sp>
-        <p:nvSpPr>
-          <p:cNvPr id="3" name="Vertical Text Placeholder 2">
-            <a:extLst>
-              <a:ext uri="{FF2B5EF4-FFF2-40B4-BE49-F238E27FC236}">
-                <a16:creationId xmlns:a16="http://schemas.microsoft.com/office/drawing/2014/main" id="{CF846708-4453-87AC-1E18-47B57A642E3D}"/>
-              </a:ext>
-            </a:extLst>
-          </p:cNvPr>
+            <a:endParaRPr lang="en-US" dirty="0"/>
+          </a:p>
+        </p:txBody>
+      </p:sp>
+      <p:sp>
+        <p:nvSpPr>
+          <p:cNvPr id="3" name="Vertical Text Placeholder 2"/>
           <p:cNvSpPr>
             <a:spLocks noGrp="1"/>
           </p:cNvSpPr>
@@ -426,18 +387,13 @@
               <a:rPr lang="en-US"/>
               <a:t>Fifth level</a:t>
             </a:r>
-          </a:p>
-        </p:txBody>
-      </p:sp>
-      <p:sp>
-        <p:nvSpPr>
-          <p:cNvPr id="4" name="Date Placeholder 3">
-            <a:extLst>
-              <a:ext uri="{FF2B5EF4-FFF2-40B4-BE49-F238E27FC236}">
-                <a16:creationId xmlns:a16="http://schemas.microsoft.com/office/drawing/2014/main" id="{56EAEB65-B7F4-9B6E-91C4-44332304E8B9}"/>
-              </a:ext>
-            </a:extLst>
-          </p:cNvPr>
+            <a:endParaRPr lang="en-US" dirty="0"/>
+          </a:p>
+        </p:txBody>
+      </p:sp>
+      <p:sp>
+        <p:nvSpPr>
+          <p:cNvPr id="4" name="Date Placeholder 3"/>
           <p:cNvSpPr>
             <a:spLocks noGrp="1"/>
           </p:cNvSpPr>
@@ -460,13 +416,7 @@
       </p:sp>
       <p:sp>
         <p:nvSpPr>
-          <p:cNvPr id="5" name="Footer Placeholder 4">
-            <a:extLst>
-              <a:ext uri="{FF2B5EF4-FFF2-40B4-BE49-F238E27FC236}">
-                <a16:creationId xmlns:a16="http://schemas.microsoft.com/office/drawing/2014/main" id="{1EE770BE-B157-B448-F061-73B1D14C463F}"/>
-              </a:ext>
-            </a:extLst>
-          </p:cNvPr>
+          <p:cNvPr id="5" name="Footer Placeholder 4"/>
           <p:cNvSpPr>
             <a:spLocks noGrp="1"/>
           </p:cNvSpPr>
@@ -485,13 +435,7 @@
       </p:sp>
       <p:sp>
         <p:nvSpPr>
-          <p:cNvPr id="6" name="Slide Number Placeholder 5">
-            <a:extLst>
-              <a:ext uri="{FF2B5EF4-FFF2-40B4-BE49-F238E27FC236}">
-                <a16:creationId xmlns:a16="http://schemas.microsoft.com/office/drawing/2014/main" id="{3AC6F8C1-6EA4-467B-602B-EFD90828C31E}"/>
-              </a:ext>
-            </a:extLst>
-          </p:cNvPr>
+          <p:cNvPr id="6" name="Slide Number Placeholder 5"/>
           <p:cNvSpPr>
             <a:spLocks noGrp="1"/>
           </p:cNvSpPr>
@@ -515,7 +459,7 @@
     </p:spTree>
     <p:extLst>
       <p:ext uri="{BB962C8B-B14F-4D97-AF65-F5344CB8AC3E}">
-        <p14:creationId xmlns:p14="http://schemas.microsoft.com/office/powerpoint/2010/main" val="3095349721"/>
+        <p14:creationId xmlns:p14="http://schemas.microsoft.com/office/powerpoint/2010/main" val="1149259915"/>
       </p:ext>
     </p:extLst>
   </p:cSld>
@@ -544,13 +488,7 @@
       </p:grpSpPr>
       <p:sp>
         <p:nvSpPr>
-          <p:cNvPr id="2" name="Vertical Title 1">
-            <a:extLst>
-              <a:ext uri="{FF2B5EF4-FFF2-40B4-BE49-F238E27FC236}">
-                <a16:creationId xmlns:a16="http://schemas.microsoft.com/office/drawing/2014/main" id="{D7570294-94D5-6A13-5D15-B803A00AE3F7}"/>
-              </a:ext>
-            </a:extLst>
-          </p:cNvPr>
+          <p:cNvPr id="2" name="Vertical Title 1"/>
           <p:cNvSpPr>
             <a:spLocks noGrp="1"/>
           </p:cNvSpPr>
@@ -560,8 +498,8 @@
         </p:nvSpPr>
         <p:spPr>
           <a:xfrm>
-            <a:off x="8724900" y="365125"/>
-            <a:ext cx="2628900" cy="5811838"/>
+            <a:off x="4907757" y="486834"/>
+            <a:ext cx="1478756" cy="7749117"/>
           </a:xfrm>
         </p:spPr>
         <p:txBody>
@@ -572,18 +510,13 @@
               <a:rPr lang="en-US"/>
               <a:t>Click to edit Master title style</a:t>
             </a:r>
-          </a:p>
-        </p:txBody>
-      </p:sp>
-      <p:sp>
-        <p:nvSpPr>
-          <p:cNvPr id="3" name="Vertical Text Placeholder 2">
-            <a:extLst>
-              <a:ext uri="{FF2B5EF4-FFF2-40B4-BE49-F238E27FC236}">
-                <a16:creationId xmlns:a16="http://schemas.microsoft.com/office/drawing/2014/main" id="{4C1B3C08-F113-0495-3C13-658239412F47}"/>
-              </a:ext>
-            </a:extLst>
-          </p:cNvPr>
+            <a:endParaRPr lang="en-US" dirty="0"/>
+          </a:p>
+        </p:txBody>
+      </p:sp>
+      <p:sp>
+        <p:nvSpPr>
+          <p:cNvPr id="3" name="Vertical Text Placeholder 2"/>
           <p:cNvSpPr>
             <a:spLocks noGrp="1"/>
           </p:cNvSpPr>
@@ -593,8 +526,8 @@
         </p:nvSpPr>
         <p:spPr>
           <a:xfrm>
-            <a:off x="838200" y="365125"/>
-            <a:ext cx="7734300" cy="5811838"/>
+            <a:off x="471488" y="486834"/>
+            <a:ext cx="4350544" cy="7749117"/>
           </a:xfrm>
         </p:spPr>
         <p:txBody>
@@ -634,18 +567,13 @@
               <a:rPr lang="en-US"/>
               <a:t>Fifth level</a:t>
             </a:r>
-          </a:p>
-        </p:txBody>
-      </p:sp>
-      <p:sp>
-        <p:nvSpPr>
-          <p:cNvPr id="4" name="Date Placeholder 3">
-            <a:extLst>
-              <a:ext uri="{FF2B5EF4-FFF2-40B4-BE49-F238E27FC236}">
-                <a16:creationId xmlns:a16="http://schemas.microsoft.com/office/drawing/2014/main" id="{677F7BFB-9423-D129-9479-668651676ECE}"/>
-              </a:ext>
-            </a:extLst>
-          </p:cNvPr>
+            <a:endParaRPr lang="en-US" dirty="0"/>
+          </a:p>
+        </p:txBody>
+      </p:sp>
+      <p:sp>
+        <p:nvSpPr>
+          <p:cNvPr id="4" name="Date Placeholder 3"/>
           <p:cNvSpPr>
             <a:spLocks noGrp="1"/>
           </p:cNvSpPr>
@@ -668,13 +596,7 @@
       </p:sp>
       <p:sp>
         <p:nvSpPr>
-          <p:cNvPr id="5" name="Footer Placeholder 4">
-            <a:extLst>
-              <a:ext uri="{FF2B5EF4-FFF2-40B4-BE49-F238E27FC236}">
-                <a16:creationId xmlns:a16="http://schemas.microsoft.com/office/drawing/2014/main" id="{49C3BD58-E4F7-6334-65FE-2BA734BE3EFA}"/>
-              </a:ext>
-            </a:extLst>
-          </p:cNvPr>
+          <p:cNvPr id="5" name="Footer Placeholder 4"/>
           <p:cNvSpPr>
             <a:spLocks noGrp="1"/>
           </p:cNvSpPr>
@@ -693,13 +615,7 @@
       </p:sp>
       <p:sp>
         <p:nvSpPr>
-          <p:cNvPr id="6" name="Slide Number Placeholder 5">
-            <a:extLst>
-              <a:ext uri="{FF2B5EF4-FFF2-40B4-BE49-F238E27FC236}">
-                <a16:creationId xmlns:a16="http://schemas.microsoft.com/office/drawing/2014/main" id="{EF1D7B15-C416-1D02-CE48-3C92A00C4103}"/>
-              </a:ext>
-            </a:extLst>
-          </p:cNvPr>
+          <p:cNvPr id="6" name="Slide Number Placeholder 5"/>
           <p:cNvSpPr>
             <a:spLocks noGrp="1"/>
           </p:cNvSpPr>
@@ -723,7 +639,7 @@
     </p:spTree>
     <p:extLst>
       <p:ext uri="{BB962C8B-B14F-4D97-AF65-F5344CB8AC3E}">
-        <p14:creationId xmlns:p14="http://schemas.microsoft.com/office/powerpoint/2010/main" val="4065052142"/>
+        <p14:creationId xmlns:p14="http://schemas.microsoft.com/office/powerpoint/2010/main" val="1752744379"/>
       </p:ext>
     </p:extLst>
   </p:cSld>
@@ -752,13 +668,7 @@
       </p:grpSpPr>
       <p:sp>
         <p:nvSpPr>
-          <p:cNvPr id="2" name="Title 1">
-            <a:extLst>
-              <a:ext uri="{FF2B5EF4-FFF2-40B4-BE49-F238E27FC236}">
-                <a16:creationId xmlns:a16="http://schemas.microsoft.com/office/drawing/2014/main" id="{D3A16D5D-0317-8A59-A296-9C584ABDF3C4}"/>
-              </a:ext>
-            </a:extLst>
-          </p:cNvPr>
+          <p:cNvPr id="2" name="Title 1"/>
           <p:cNvSpPr>
             <a:spLocks noGrp="1"/>
           </p:cNvSpPr>
@@ -775,18 +685,13 @@
               <a:rPr lang="en-US"/>
               <a:t>Click to edit Master title style</a:t>
             </a:r>
-          </a:p>
-        </p:txBody>
-      </p:sp>
-      <p:sp>
-        <p:nvSpPr>
-          <p:cNvPr id="3" name="Content Placeholder 2">
-            <a:extLst>
-              <a:ext uri="{FF2B5EF4-FFF2-40B4-BE49-F238E27FC236}">
-                <a16:creationId xmlns:a16="http://schemas.microsoft.com/office/drawing/2014/main" id="{F2E1C2F5-DFD4-2A3B-5A47-A9FA1FE4D223}"/>
-              </a:ext>
-            </a:extLst>
-          </p:cNvPr>
+            <a:endParaRPr lang="en-US" dirty="0"/>
+          </a:p>
+        </p:txBody>
+      </p:sp>
+      <p:sp>
+        <p:nvSpPr>
+          <p:cNvPr id="3" name="Content Placeholder 2"/>
           <p:cNvSpPr>
             <a:spLocks noGrp="1"/>
           </p:cNvSpPr>
@@ -832,18 +737,13 @@
               <a:rPr lang="en-US"/>
               <a:t>Fifth level</a:t>
             </a:r>
-          </a:p>
-        </p:txBody>
-      </p:sp>
-      <p:sp>
-        <p:nvSpPr>
-          <p:cNvPr id="4" name="Date Placeholder 3">
-            <a:extLst>
-              <a:ext uri="{FF2B5EF4-FFF2-40B4-BE49-F238E27FC236}">
-                <a16:creationId xmlns:a16="http://schemas.microsoft.com/office/drawing/2014/main" id="{AA8F8D98-D86A-9207-4064-F17D76CE217C}"/>
-              </a:ext>
-            </a:extLst>
-          </p:cNvPr>
+            <a:endParaRPr lang="en-US" dirty="0"/>
+          </a:p>
+        </p:txBody>
+      </p:sp>
+      <p:sp>
+        <p:nvSpPr>
+          <p:cNvPr id="4" name="Date Placeholder 3"/>
           <p:cNvSpPr>
             <a:spLocks noGrp="1"/>
           </p:cNvSpPr>
@@ -866,13 +766,7 @@
       </p:sp>
       <p:sp>
         <p:nvSpPr>
-          <p:cNvPr id="5" name="Footer Placeholder 4">
-            <a:extLst>
-              <a:ext uri="{FF2B5EF4-FFF2-40B4-BE49-F238E27FC236}">
-                <a16:creationId xmlns:a16="http://schemas.microsoft.com/office/drawing/2014/main" id="{FA7C4941-226C-A02A-C6F7-ABB8702ADC71}"/>
-              </a:ext>
-            </a:extLst>
-          </p:cNvPr>
+          <p:cNvPr id="5" name="Footer Placeholder 4"/>
           <p:cNvSpPr>
             <a:spLocks noGrp="1"/>
           </p:cNvSpPr>
@@ -891,13 +785,7 @@
       </p:sp>
       <p:sp>
         <p:nvSpPr>
-          <p:cNvPr id="6" name="Slide Number Placeholder 5">
-            <a:extLst>
-              <a:ext uri="{FF2B5EF4-FFF2-40B4-BE49-F238E27FC236}">
-                <a16:creationId xmlns:a16="http://schemas.microsoft.com/office/drawing/2014/main" id="{A195FE0A-50BC-320D-4852-5ABB69452A17}"/>
-              </a:ext>
-            </a:extLst>
-          </p:cNvPr>
+          <p:cNvPr id="6" name="Slide Number Placeholder 5"/>
           <p:cNvSpPr>
             <a:spLocks noGrp="1"/>
           </p:cNvSpPr>
@@ -921,7 +809,7 @@
     </p:spTree>
     <p:extLst>
       <p:ext uri="{BB962C8B-B14F-4D97-AF65-F5344CB8AC3E}">
-        <p14:creationId xmlns:p14="http://schemas.microsoft.com/office/powerpoint/2010/main" val="728046366"/>
+        <p14:creationId xmlns:p14="http://schemas.microsoft.com/office/powerpoint/2010/main" val="2413269582"/>
       </p:ext>
     </p:extLst>
   </p:cSld>
@@ -950,13 +838,7 @@
       </p:grpSpPr>
       <p:sp>
         <p:nvSpPr>
-          <p:cNvPr id="2" name="Title 1">
-            <a:extLst>
-              <a:ext uri="{FF2B5EF4-FFF2-40B4-BE49-F238E27FC236}">
-                <a16:creationId xmlns:a16="http://schemas.microsoft.com/office/drawing/2014/main" id="{A5B6826B-20A3-C7BA-B8CB-EDE064A23D3B}"/>
-              </a:ext>
-            </a:extLst>
-          </p:cNvPr>
+          <p:cNvPr id="2" name="Title 1"/>
           <p:cNvSpPr>
             <a:spLocks noGrp="1"/>
           </p:cNvSpPr>
@@ -966,15 +848,15 @@
         </p:nvSpPr>
         <p:spPr>
           <a:xfrm>
-            <a:off x="831850" y="1709738"/>
-            <a:ext cx="10515600" cy="2852737"/>
+            <a:off x="467916" y="2279653"/>
+            <a:ext cx="5915025" cy="3803649"/>
           </a:xfrm>
         </p:spPr>
         <p:txBody>
           <a:bodyPr anchor="b"/>
           <a:lstStyle>
             <a:lvl1pPr>
-              <a:defRPr sz="6000"/>
+              <a:defRPr sz="4500"/>
             </a:lvl1pPr>
           </a:lstStyle>
           <a:p>
@@ -982,18 +864,13 @@
               <a:rPr lang="en-US"/>
               <a:t>Click to edit Master title style</a:t>
             </a:r>
-          </a:p>
-        </p:txBody>
-      </p:sp>
-      <p:sp>
-        <p:nvSpPr>
-          <p:cNvPr id="3" name="Text Placeholder 2">
-            <a:extLst>
-              <a:ext uri="{FF2B5EF4-FFF2-40B4-BE49-F238E27FC236}">
-                <a16:creationId xmlns:a16="http://schemas.microsoft.com/office/drawing/2014/main" id="{F58AAFD3-D915-5F74-2C6D-9156B2DC1519}"/>
-              </a:ext>
-            </a:extLst>
-          </p:cNvPr>
+            <a:endParaRPr lang="en-US" dirty="0"/>
+          </a:p>
+        </p:txBody>
+      </p:sp>
+      <p:sp>
+        <p:nvSpPr>
+          <p:cNvPr id="3" name="Text Placeholder 2"/>
           <p:cNvSpPr>
             <a:spLocks noGrp="1"/>
           </p:cNvSpPr>
@@ -1003,8 +880,8 @@
         </p:nvSpPr>
         <p:spPr>
           <a:xfrm>
-            <a:off x="831850" y="4589463"/>
-            <a:ext cx="10515600" cy="1500187"/>
+            <a:off x="467916" y="6119286"/>
+            <a:ext cx="5915025" cy="2000249"/>
           </a:xfrm>
         </p:spPr>
         <p:txBody>
@@ -1012,17 +889,15 @@
           <a:lstStyle>
             <a:lvl1pPr marL="0" indent="0">
               <a:buNone/>
-              <a:defRPr sz="2400">
+              <a:defRPr sz="1800">
                 <a:solidFill>
-                  <a:schemeClr val="tx1">
-                    <a:tint val="75000"/>
-                  </a:schemeClr>
+                  <a:schemeClr val="tx1"/>
                 </a:solidFill>
               </a:defRPr>
             </a:lvl1pPr>
-            <a:lvl2pPr marL="457200" indent="0">
-              <a:buNone/>
-              <a:defRPr sz="2000">
+            <a:lvl2pPr marL="342900" indent="0">
+              <a:buNone/>
+              <a:defRPr sz="1500">
                 <a:solidFill>
                   <a:schemeClr val="tx1">
                     <a:tint val="75000"/>
@@ -1030,9 +905,9 @@
                 </a:solidFill>
               </a:defRPr>
             </a:lvl2pPr>
-            <a:lvl3pPr marL="914400" indent="0">
-              <a:buNone/>
-              <a:defRPr sz="1800">
+            <a:lvl3pPr marL="685800" indent="0">
+              <a:buNone/>
+              <a:defRPr sz="1350">
                 <a:solidFill>
                   <a:schemeClr val="tx1">
                     <a:tint val="75000"/>
@@ -1040,9 +915,9 @@
                 </a:solidFill>
               </a:defRPr>
             </a:lvl3pPr>
-            <a:lvl4pPr marL="1371600" indent="0">
-              <a:buNone/>
-              <a:defRPr sz="1600">
+            <a:lvl4pPr marL="1028700" indent="0">
+              <a:buNone/>
+              <a:defRPr sz="1200">
                 <a:solidFill>
                   <a:schemeClr val="tx1">
                     <a:tint val="75000"/>
@@ -1050,9 +925,9 @@
                 </a:solidFill>
               </a:defRPr>
             </a:lvl4pPr>
-            <a:lvl5pPr marL="1828800" indent="0">
-              <a:buNone/>
-              <a:defRPr sz="1600">
+            <a:lvl5pPr marL="1371600" indent="0">
+              <a:buNone/>
+              <a:defRPr sz="1200">
                 <a:solidFill>
                   <a:schemeClr val="tx1">
                     <a:tint val="75000"/>
@@ -1060,9 +935,9 @@
                 </a:solidFill>
               </a:defRPr>
             </a:lvl5pPr>
-            <a:lvl6pPr marL="2286000" indent="0">
-              <a:buNone/>
-              <a:defRPr sz="1600">
+            <a:lvl6pPr marL="1714500" indent="0">
+              <a:buNone/>
+              <a:defRPr sz="1200">
                 <a:solidFill>
                   <a:schemeClr val="tx1">
                     <a:tint val="75000"/>
@@ -1070,9 +945,9 @@
                 </a:solidFill>
               </a:defRPr>
             </a:lvl6pPr>
-            <a:lvl7pPr marL="2743200" indent="0">
-              <a:buNone/>
-              <a:defRPr sz="1600">
+            <a:lvl7pPr marL="2057400" indent="0">
+              <a:buNone/>
+              <a:defRPr sz="1200">
                 <a:solidFill>
                   <a:schemeClr val="tx1">
                     <a:tint val="75000"/>
@@ -1080,9 +955,9 @@
                 </a:solidFill>
               </a:defRPr>
             </a:lvl7pPr>
-            <a:lvl8pPr marL="3200400" indent="0">
-              <a:buNone/>
-              <a:defRPr sz="1600">
+            <a:lvl8pPr marL="2400300" indent="0">
+              <a:buNone/>
+              <a:defRPr sz="1200">
                 <a:solidFill>
                   <a:schemeClr val="tx1">
                     <a:tint val="75000"/>
@@ -1090,9 +965,9 @@
                 </a:solidFill>
               </a:defRPr>
             </a:lvl8pPr>
-            <a:lvl9pPr marL="3657600" indent="0">
-              <a:buNone/>
-              <a:defRPr sz="1600">
+            <a:lvl9pPr marL="2743200" indent="0">
+              <a:buNone/>
+              <a:defRPr sz="1200">
                 <a:solidFill>
                   <a:schemeClr val="tx1">
                     <a:tint val="75000"/>
@@ -1112,13 +987,7 @@
       </p:sp>
       <p:sp>
         <p:nvSpPr>
-          <p:cNvPr id="4" name="Date Placeholder 3">
-            <a:extLst>
-              <a:ext uri="{FF2B5EF4-FFF2-40B4-BE49-F238E27FC236}">
-                <a16:creationId xmlns:a16="http://schemas.microsoft.com/office/drawing/2014/main" id="{A771CE8D-7137-4D6F-849C-6AB3A5308565}"/>
-              </a:ext>
-            </a:extLst>
-          </p:cNvPr>
+          <p:cNvPr id="4" name="Date Placeholder 3"/>
           <p:cNvSpPr>
             <a:spLocks noGrp="1"/>
           </p:cNvSpPr>
@@ -1141,13 +1010,7 @@
       </p:sp>
       <p:sp>
         <p:nvSpPr>
-          <p:cNvPr id="5" name="Footer Placeholder 4">
-            <a:extLst>
-              <a:ext uri="{FF2B5EF4-FFF2-40B4-BE49-F238E27FC236}">
-                <a16:creationId xmlns:a16="http://schemas.microsoft.com/office/drawing/2014/main" id="{0247963E-164D-D88C-C65A-9DD60F192FC3}"/>
-              </a:ext>
-            </a:extLst>
-          </p:cNvPr>
+          <p:cNvPr id="5" name="Footer Placeholder 4"/>
           <p:cNvSpPr>
             <a:spLocks noGrp="1"/>
           </p:cNvSpPr>
@@ -1166,13 +1029,7 @@
       </p:sp>
       <p:sp>
         <p:nvSpPr>
-          <p:cNvPr id="6" name="Slide Number Placeholder 5">
-            <a:extLst>
-              <a:ext uri="{FF2B5EF4-FFF2-40B4-BE49-F238E27FC236}">
-                <a16:creationId xmlns:a16="http://schemas.microsoft.com/office/drawing/2014/main" id="{CD094C73-5A97-544D-2696-EDC0E684D370}"/>
-              </a:ext>
-            </a:extLst>
-          </p:cNvPr>
+          <p:cNvPr id="6" name="Slide Number Placeholder 5"/>
           <p:cNvSpPr>
             <a:spLocks noGrp="1"/>
           </p:cNvSpPr>
@@ -1196,7 +1053,7 @@
     </p:spTree>
     <p:extLst>
       <p:ext uri="{BB962C8B-B14F-4D97-AF65-F5344CB8AC3E}">
-        <p14:creationId xmlns:p14="http://schemas.microsoft.com/office/powerpoint/2010/main" val="299209067"/>
+        <p14:creationId xmlns:p14="http://schemas.microsoft.com/office/powerpoint/2010/main" val="3341545661"/>
       </p:ext>
     </p:extLst>
   </p:cSld>
@@ -1225,13 +1082,7 @@
       </p:grpSpPr>
       <p:sp>
         <p:nvSpPr>
-          <p:cNvPr id="2" name="Title 1">
-            <a:extLst>
-              <a:ext uri="{FF2B5EF4-FFF2-40B4-BE49-F238E27FC236}">
-                <a16:creationId xmlns:a16="http://schemas.microsoft.com/office/drawing/2014/main" id="{84B0862F-61E1-70EA-BF18-4772CE65A9CC}"/>
-              </a:ext>
-            </a:extLst>
-          </p:cNvPr>
+          <p:cNvPr id="2" name="Title 1"/>
           <p:cNvSpPr>
             <a:spLocks noGrp="1"/>
           </p:cNvSpPr>
@@ -1248,18 +1099,13 @@
               <a:rPr lang="en-US"/>
               <a:t>Click to edit Master title style</a:t>
             </a:r>
-          </a:p>
-        </p:txBody>
-      </p:sp>
-      <p:sp>
-        <p:nvSpPr>
-          <p:cNvPr id="3" name="Content Placeholder 2">
-            <a:extLst>
-              <a:ext uri="{FF2B5EF4-FFF2-40B4-BE49-F238E27FC236}">
-                <a16:creationId xmlns:a16="http://schemas.microsoft.com/office/drawing/2014/main" id="{72A014F7-A574-8328-0584-475915992BE8}"/>
-              </a:ext>
-            </a:extLst>
-          </p:cNvPr>
+            <a:endParaRPr lang="en-US" dirty="0"/>
+          </a:p>
+        </p:txBody>
+      </p:sp>
+      <p:sp>
+        <p:nvSpPr>
+          <p:cNvPr id="3" name="Content Placeholder 2"/>
           <p:cNvSpPr>
             <a:spLocks noGrp="1"/>
           </p:cNvSpPr>
@@ -1269,8 +1115,8 @@
         </p:nvSpPr>
         <p:spPr>
           <a:xfrm>
-            <a:off x="838200" y="1825625"/>
-            <a:ext cx="5181600" cy="4351338"/>
+            <a:off x="471488" y="2434167"/>
+            <a:ext cx="2914650" cy="5801784"/>
           </a:xfrm>
         </p:spPr>
         <p:txBody>
@@ -1310,18 +1156,13 @@
               <a:rPr lang="en-US"/>
               <a:t>Fifth level</a:t>
             </a:r>
-          </a:p>
-        </p:txBody>
-      </p:sp>
-      <p:sp>
-        <p:nvSpPr>
-          <p:cNvPr id="4" name="Content Placeholder 3">
-            <a:extLst>
-              <a:ext uri="{FF2B5EF4-FFF2-40B4-BE49-F238E27FC236}">
-                <a16:creationId xmlns:a16="http://schemas.microsoft.com/office/drawing/2014/main" id="{B77C2C2F-1817-5F3D-00C5-DC1417FD23D7}"/>
-              </a:ext>
-            </a:extLst>
-          </p:cNvPr>
+            <a:endParaRPr lang="en-US" dirty="0"/>
+          </a:p>
+        </p:txBody>
+      </p:sp>
+      <p:sp>
+        <p:nvSpPr>
+          <p:cNvPr id="4" name="Content Placeholder 3"/>
           <p:cNvSpPr>
             <a:spLocks noGrp="1"/>
           </p:cNvSpPr>
@@ -1331,8 +1172,8 @@
         </p:nvSpPr>
         <p:spPr>
           <a:xfrm>
-            <a:off x="6172200" y="1825625"/>
-            <a:ext cx="5181600" cy="4351338"/>
+            <a:off x="3471863" y="2434167"/>
+            <a:ext cx="2914650" cy="5801784"/>
           </a:xfrm>
         </p:spPr>
         <p:txBody>
@@ -1372,18 +1213,13 @@
               <a:rPr lang="en-US"/>
               <a:t>Fifth level</a:t>
             </a:r>
-          </a:p>
-        </p:txBody>
-      </p:sp>
-      <p:sp>
-        <p:nvSpPr>
-          <p:cNvPr id="5" name="Date Placeholder 4">
-            <a:extLst>
-              <a:ext uri="{FF2B5EF4-FFF2-40B4-BE49-F238E27FC236}">
-                <a16:creationId xmlns:a16="http://schemas.microsoft.com/office/drawing/2014/main" id="{704EFB31-9697-280F-F1DF-BD5D5A871B96}"/>
-              </a:ext>
-            </a:extLst>
-          </p:cNvPr>
+            <a:endParaRPr lang="en-US" dirty="0"/>
+          </a:p>
+        </p:txBody>
+      </p:sp>
+      <p:sp>
+        <p:nvSpPr>
+          <p:cNvPr id="5" name="Date Placeholder 4"/>
           <p:cNvSpPr>
             <a:spLocks noGrp="1"/>
           </p:cNvSpPr>
@@ -1406,13 +1242,7 @@
       </p:sp>
       <p:sp>
         <p:nvSpPr>
-          <p:cNvPr id="6" name="Footer Placeholder 5">
-            <a:extLst>
-              <a:ext uri="{FF2B5EF4-FFF2-40B4-BE49-F238E27FC236}">
-                <a16:creationId xmlns:a16="http://schemas.microsoft.com/office/drawing/2014/main" id="{03732D81-20EC-5408-E5A2-CB38D150881A}"/>
-              </a:ext>
-            </a:extLst>
-          </p:cNvPr>
+          <p:cNvPr id="6" name="Footer Placeholder 5"/>
           <p:cNvSpPr>
             <a:spLocks noGrp="1"/>
           </p:cNvSpPr>
@@ -1431,13 +1261,7 @@
       </p:sp>
       <p:sp>
         <p:nvSpPr>
-          <p:cNvPr id="7" name="Slide Number Placeholder 6">
-            <a:extLst>
-              <a:ext uri="{FF2B5EF4-FFF2-40B4-BE49-F238E27FC236}">
-                <a16:creationId xmlns:a16="http://schemas.microsoft.com/office/drawing/2014/main" id="{DA14E7C7-0AFC-DDF2-A69F-75E7B7D87961}"/>
-              </a:ext>
-            </a:extLst>
-          </p:cNvPr>
+          <p:cNvPr id="7" name="Slide Number Placeholder 6"/>
           <p:cNvSpPr>
             <a:spLocks noGrp="1"/>
           </p:cNvSpPr>
@@ -1461,7 +1285,7 @@
     </p:spTree>
     <p:extLst>
       <p:ext uri="{BB962C8B-B14F-4D97-AF65-F5344CB8AC3E}">
-        <p14:creationId xmlns:p14="http://schemas.microsoft.com/office/powerpoint/2010/main" val="2231872674"/>
+        <p14:creationId xmlns:p14="http://schemas.microsoft.com/office/powerpoint/2010/main" val="183456562"/>
       </p:ext>
     </p:extLst>
   </p:cSld>
@@ -1490,13 +1314,7 @@
       </p:grpSpPr>
       <p:sp>
         <p:nvSpPr>
-          <p:cNvPr id="2" name="Title 1">
-            <a:extLst>
-              <a:ext uri="{FF2B5EF4-FFF2-40B4-BE49-F238E27FC236}">
-                <a16:creationId xmlns:a16="http://schemas.microsoft.com/office/drawing/2014/main" id="{1A3B7A25-6757-F702-AF89-C2D271659FC0}"/>
-              </a:ext>
-            </a:extLst>
-          </p:cNvPr>
+          <p:cNvPr id="2" name="Title 1"/>
           <p:cNvSpPr>
             <a:spLocks noGrp="1"/>
           </p:cNvSpPr>
@@ -1506,8 +1324,8 @@
         </p:nvSpPr>
         <p:spPr>
           <a:xfrm>
-            <a:off x="839788" y="365125"/>
-            <a:ext cx="10515600" cy="1325563"/>
+            <a:off x="472381" y="486836"/>
+            <a:ext cx="5915025" cy="1767417"/>
           </a:xfrm>
         </p:spPr>
         <p:txBody>
@@ -1518,18 +1336,13 @@
               <a:rPr lang="en-US"/>
               <a:t>Click to edit Master title style</a:t>
             </a:r>
-          </a:p>
-        </p:txBody>
-      </p:sp>
-      <p:sp>
-        <p:nvSpPr>
-          <p:cNvPr id="3" name="Text Placeholder 2">
-            <a:extLst>
-              <a:ext uri="{FF2B5EF4-FFF2-40B4-BE49-F238E27FC236}">
-                <a16:creationId xmlns:a16="http://schemas.microsoft.com/office/drawing/2014/main" id="{CBDBE138-9322-A541-E2B6-F3E69A112E04}"/>
-              </a:ext>
-            </a:extLst>
-          </p:cNvPr>
+            <a:endParaRPr lang="en-US" dirty="0"/>
+          </a:p>
+        </p:txBody>
+      </p:sp>
+      <p:sp>
+        <p:nvSpPr>
+          <p:cNvPr id="3" name="Text Placeholder 2"/>
           <p:cNvSpPr>
             <a:spLocks noGrp="1"/>
           </p:cNvSpPr>
@@ -1539,8 +1352,8 @@
         </p:nvSpPr>
         <p:spPr>
           <a:xfrm>
-            <a:off x="839788" y="1681163"/>
-            <a:ext cx="5157787" cy="823912"/>
+            <a:off x="472381" y="2241551"/>
+            <a:ext cx="2901255" cy="1098549"/>
           </a:xfrm>
         </p:spPr>
         <p:txBody>
@@ -1548,39 +1361,39 @@
           <a:lstStyle>
             <a:lvl1pPr marL="0" indent="0">
               <a:buNone/>
-              <a:defRPr sz="2400" b="1"/>
+              <a:defRPr sz="1800" b="1"/>
             </a:lvl1pPr>
-            <a:lvl2pPr marL="457200" indent="0">
-              <a:buNone/>
-              <a:defRPr sz="2000" b="1"/>
+            <a:lvl2pPr marL="342900" indent="0">
+              <a:buNone/>
+              <a:defRPr sz="1500" b="1"/>
             </a:lvl2pPr>
-            <a:lvl3pPr marL="914400" indent="0">
-              <a:buNone/>
-              <a:defRPr sz="1800" b="1"/>
+            <a:lvl3pPr marL="685800" indent="0">
+              <a:buNone/>
+              <a:defRPr sz="1350" b="1"/>
             </a:lvl3pPr>
-            <a:lvl4pPr marL="1371600" indent="0">
-              <a:buNone/>
-              <a:defRPr sz="1600" b="1"/>
+            <a:lvl4pPr marL="1028700" indent="0">
+              <a:buNone/>
+              <a:defRPr sz="1200" b="1"/>
             </a:lvl4pPr>
-            <a:lvl5pPr marL="1828800" indent="0">
-              <a:buNone/>
-              <a:defRPr sz="1600" b="1"/>
+            <a:lvl5pPr marL="1371600" indent="0">
+              <a:buNone/>
+              <a:defRPr sz="1200" b="1"/>
             </a:lvl5pPr>
-            <a:lvl6pPr marL="2286000" indent="0">
-              <a:buNone/>
-              <a:defRPr sz="1600" b="1"/>
+            <a:lvl6pPr marL="1714500" indent="0">
+              <a:buNone/>
+              <a:defRPr sz="1200" b="1"/>
             </a:lvl6pPr>
-            <a:lvl7pPr marL="2743200" indent="0">
-              <a:buNone/>
-              <a:defRPr sz="1600" b="1"/>
+            <a:lvl7pPr marL="2057400" indent="0">
+              <a:buNone/>
+              <a:defRPr sz="1200" b="1"/>
             </a:lvl7pPr>
-            <a:lvl8pPr marL="3200400" indent="0">
-              <a:buNone/>
-              <a:defRPr sz="1600" b="1"/>
+            <a:lvl8pPr marL="2400300" indent="0">
+              <a:buNone/>
+              <a:defRPr sz="1200" b="1"/>
             </a:lvl8pPr>
-            <a:lvl9pPr marL="3657600" indent="0">
-              <a:buNone/>
-              <a:defRPr sz="1600" b="1"/>
+            <a:lvl9pPr marL="2743200" indent="0">
+              <a:buNone/>
+              <a:defRPr sz="1200" b="1"/>
             </a:lvl9pPr>
           </a:lstStyle>
           <a:p>
@@ -1594,13 +1407,7 @@
       </p:sp>
       <p:sp>
         <p:nvSpPr>
-          <p:cNvPr id="4" name="Content Placeholder 3">
-            <a:extLst>
-              <a:ext uri="{FF2B5EF4-FFF2-40B4-BE49-F238E27FC236}">
-                <a16:creationId xmlns:a16="http://schemas.microsoft.com/office/drawing/2014/main" id="{C72F56A2-7443-EEDA-1D42-652B0448A1E2}"/>
-              </a:ext>
-            </a:extLst>
-          </p:cNvPr>
+          <p:cNvPr id="4" name="Content Placeholder 3"/>
           <p:cNvSpPr>
             <a:spLocks noGrp="1"/>
           </p:cNvSpPr>
@@ -1610,8 +1417,8 @@
         </p:nvSpPr>
         <p:spPr>
           <a:xfrm>
-            <a:off x="839788" y="2505075"/>
-            <a:ext cx="5157787" cy="3684588"/>
+            <a:off x="472381" y="3340100"/>
+            <a:ext cx="2901255" cy="4912784"/>
           </a:xfrm>
         </p:spPr>
         <p:txBody>
@@ -1651,18 +1458,13 @@
               <a:rPr lang="en-US"/>
               <a:t>Fifth level</a:t>
             </a:r>
-          </a:p>
-        </p:txBody>
-      </p:sp>
-      <p:sp>
-        <p:nvSpPr>
-          <p:cNvPr id="5" name="Text Placeholder 4">
-            <a:extLst>
-              <a:ext uri="{FF2B5EF4-FFF2-40B4-BE49-F238E27FC236}">
-                <a16:creationId xmlns:a16="http://schemas.microsoft.com/office/drawing/2014/main" id="{0E3777CE-6E69-730A-6319-7302FFEBEF01}"/>
-              </a:ext>
-            </a:extLst>
-          </p:cNvPr>
+            <a:endParaRPr lang="en-US" dirty="0"/>
+          </a:p>
+        </p:txBody>
+      </p:sp>
+      <p:sp>
+        <p:nvSpPr>
+          <p:cNvPr id="5" name="Text Placeholder 4"/>
           <p:cNvSpPr>
             <a:spLocks noGrp="1"/>
           </p:cNvSpPr>
@@ -1672,8 +1474,8 @@
         </p:nvSpPr>
         <p:spPr>
           <a:xfrm>
-            <a:off x="6172200" y="1681163"/>
-            <a:ext cx="5183188" cy="823912"/>
+            <a:off x="3471863" y="2241551"/>
+            <a:ext cx="2915543" cy="1098549"/>
           </a:xfrm>
         </p:spPr>
         <p:txBody>
@@ -1681,39 +1483,39 @@
           <a:lstStyle>
             <a:lvl1pPr marL="0" indent="0">
               <a:buNone/>
-              <a:defRPr sz="2400" b="1"/>
+              <a:defRPr sz="1800" b="1"/>
             </a:lvl1pPr>
-            <a:lvl2pPr marL="457200" indent="0">
-              <a:buNone/>
-              <a:defRPr sz="2000" b="1"/>
+            <a:lvl2pPr marL="342900" indent="0">
+              <a:buNone/>
+              <a:defRPr sz="1500" b="1"/>
             </a:lvl2pPr>
-            <a:lvl3pPr marL="914400" indent="0">
-              <a:buNone/>
-              <a:defRPr sz="1800" b="1"/>
+            <a:lvl3pPr marL="685800" indent="0">
+              <a:buNone/>
+              <a:defRPr sz="1350" b="1"/>
             </a:lvl3pPr>
-            <a:lvl4pPr marL="1371600" indent="0">
-              <a:buNone/>
-              <a:defRPr sz="1600" b="1"/>
+            <a:lvl4pPr marL="1028700" indent="0">
+              <a:buNone/>
+              <a:defRPr sz="1200" b="1"/>
             </a:lvl4pPr>
-            <a:lvl5pPr marL="1828800" indent="0">
-              <a:buNone/>
-              <a:defRPr sz="1600" b="1"/>
+            <a:lvl5pPr marL="1371600" indent="0">
+              <a:buNone/>
+              <a:defRPr sz="1200" b="1"/>
             </a:lvl5pPr>
-            <a:lvl6pPr marL="2286000" indent="0">
-              <a:buNone/>
-              <a:defRPr sz="1600" b="1"/>
+            <a:lvl6pPr marL="1714500" indent="0">
+              <a:buNone/>
+              <a:defRPr sz="1200" b="1"/>
             </a:lvl6pPr>
-            <a:lvl7pPr marL="2743200" indent="0">
-              <a:buNone/>
-              <a:defRPr sz="1600" b="1"/>
+            <a:lvl7pPr marL="2057400" indent="0">
+              <a:buNone/>
+              <a:defRPr sz="1200" b="1"/>
             </a:lvl7pPr>
-            <a:lvl8pPr marL="3200400" indent="0">
-              <a:buNone/>
-              <a:defRPr sz="1600" b="1"/>
+            <a:lvl8pPr marL="2400300" indent="0">
+              <a:buNone/>
+              <a:defRPr sz="1200" b="1"/>
             </a:lvl8pPr>
-            <a:lvl9pPr marL="3657600" indent="0">
-              <a:buNone/>
-              <a:defRPr sz="1600" b="1"/>
+            <a:lvl9pPr marL="2743200" indent="0">
+              <a:buNone/>
+              <a:defRPr sz="1200" b="1"/>
             </a:lvl9pPr>
           </a:lstStyle>
           <a:p>
@@ -1727,13 +1529,7 @@
       </p:sp>
       <p:sp>
         <p:nvSpPr>
-          <p:cNvPr id="6" name="Content Placeholder 5">
-            <a:extLst>
-              <a:ext uri="{FF2B5EF4-FFF2-40B4-BE49-F238E27FC236}">
-                <a16:creationId xmlns:a16="http://schemas.microsoft.com/office/drawing/2014/main" id="{52B95904-3EAD-DF33-5C78-49D66811FD86}"/>
-              </a:ext>
-            </a:extLst>
-          </p:cNvPr>
+          <p:cNvPr id="6" name="Content Placeholder 5"/>
           <p:cNvSpPr>
             <a:spLocks noGrp="1"/>
           </p:cNvSpPr>
@@ -1743,8 +1539,8 @@
         </p:nvSpPr>
         <p:spPr>
           <a:xfrm>
-            <a:off x="6172200" y="2505075"/>
-            <a:ext cx="5183188" cy="3684588"/>
+            <a:off x="3471863" y="3340100"/>
+            <a:ext cx="2915543" cy="4912784"/>
           </a:xfrm>
         </p:spPr>
         <p:txBody>
@@ -1784,18 +1580,13 @@
               <a:rPr lang="en-US"/>
               <a:t>Fifth level</a:t>
             </a:r>
-          </a:p>
-        </p:txBody>
-      </p:sp>
-      <p:sp>
-        <p:nvSpPr>
-          <p:cNvPr id="7" name="Date Placeholder 6">
-            <a:extLst>
-              <a:ext uri="{FF2B5EF4-FFF2-40B4-BE49-F238E27FC236}">
-                <a16:creationId xmlns:a16="http://schemas.microsoft.com/office/drawing/2014/main" id="{DFF62900-B917-44AD-7563-E11F82A895D1}"/>
-              </a:ext>
-            </a:extLst>
-          </p:cNvPr>
+            <a:endParaRPr lang="en-US" dirty="0"/>
+          </a:p>
+        </p:txBody>
+      </p:sp>
+      <p:sp>
+        <p:nvSpPr>
+          <p:cNvPr id="7" name="Date Placeholder 6"/>
           <p:cNvSpPr>
             <a:spLocks noGrp="1"/>
           </p:cNvSpPr>
@@ -1818,13 +1609,7 @@
       </p:sp>
       <p:sp>
         <p:nvSpPr>
-          <p:cNvPr id="8" name="Footer Placeholder 7">
-            <a:extLst>
-              <a:ext uri="{FF2B5EF4-FFF2-40B4-BE49-F238E27FC236}">
-                <a16:creationId xmlns:a16="http://schemas.microsoft.com/office/drawing/2014/main" id="{A8F23E7B-CD16-5FC6-5C9D-1BD2A80C6112}"/>
-              </a:ext>
-            </a:extLst>
-          </p:cNvPr>
+          <p:cNvPr id="8" name="Footer Placeholder 7"/>
           <p:cNvSpPr>
             <a:spLocks noGrp="1"/>
           </p:cNvSpPr>
@@ -1843,13 +1628,7 @@
       </p:sp>
       <p:sp>
         <p:nvSpPr>
-          <p:cNvPr id="9" name="Slide Number Placeholder 8">
-            <a:extLst>
-              <a:ext uri="{FF2B5EF4-FFF2-40B4-BE49-F238E27FC236}">
-                <a16:creationId xmlns:a16="http://schemas.microsoft.com/office/drawing/2014/main" id="{4EEEA321-AFBF-B6AD-A2FE-50693AA9FE11}"/>
-              </a:ext>
-            </a:extLst>
-          </p:cNvPr>
+          <p:cNvPr id="9" name="Slide Number Placeholder 8"/>
           <p:cNvSpPr>
             <a:spLocks noGrp="1"/>
           </p:cNvSpPr>
@@ -1873,7 +1652,7 @@
     </p:spTree>
     <p:extLst>
       <p:ext uri="{BB962C8B-B14F-4D97-AF65-F5344CB8AC3E}">
-        <p14:creationId xmlns:p14="http://schemas.microsoft.com/office/powerpoint/2010/main" val="1541322129"/>
+        <p14:creationId xmlns:p14="http://schemas.microsoft.com/office/powerpoint/2010/main" val="2770592771"/>
       </p:ext>
     </p:extLst>
   </p:cSld>
@@ -1902,13 +1681,7 @@
       </p:grpSpPr>
       <p:sp>
         <p:nvSpPr>
-          <p:cNvPr id="2" name="Title 1">
-            <a:extLst>
-              <a:ext uri="{FF2B5EF4-FFF2-40B4-BE49-F238E27FC236}">
-                <a16:creationId xmlns:a16="http://schemas.microsoft.com/office/drawing/2014/main" id="{50F79CC7-93E2-8D23-561A-9BB601420143}"/>
-              </a:ext>
-            </a:extLst>
-          </p:cNvPr>
+          <p:cNvPr id="2" name="Title 1"/>
           <p:cNvSpPr>
             <a:spLocks noGrp="1"/>
           </p:cNvSpPr>
@@ -1925,18 +1698,13 @@
               <a:rPr lang="en-US"/>
               <a:t>Click to edit Master title style</a:t>
             </a:r>
-          </a:p>
-        </p:txBody>
-      </p:sp>
-      <p:sp>
-        <p:nvSpPr>
-          <p:cNvPr id="3" name="Date Placeholder 2">
-            <a:extLst>
-              <a:ext uri="{FF2B5EF4-FFF2-40B4-BE49-F238E27FC236}">
-                <a16:creationId xmlns:a16="http://schemas.microsoft.com/office/drawing/2014/main" id="{7C367287-4EA3-C48E-C6A6-C24262D751CF}"/>
-              </a:ext>
-            </a:extLst>
-          </p:cNvPr>
+            <a:endParaRPr lang="en-US" dirty="0"/>
+          </a:p>
+        </p:txBody>
+      </p:sp>
+      <p:sp>
+        <p:nvSpPr>
+          <p:cNvPr id="3" name="Date Placeholder 2"/>
           <p:cNvSpPr>
             <a:spLocks noGrp="1"/>
           </p:cNvSpPr>
@@ -1959,13 +1727,7 @@
       </p:sp>
       <p:sp>
         <p:nvSpPr>
-          <p:cNvPr id="4" name="Footer Placeholder 3">
-            <a:extLst>
-              <a:ext uri="{FF2B5EF4-FFF2-40B4-BE49-F238E27FC236}">
-                <a16:creationId xmlns:a16="http://schemas.microsoft.com/office/drawing/2014/main" id="{068D2366-A881-0D02-2824-DEE1BA672EBE}"/>
-              </a:ext>
-            </a:extLst>
-          </p:cNvPr>
+          <p:cNvPr id="4" name="Footer Placeholder 3"/>
           <p:cNvSpPr>
             <a:spLocks noGrp="1"/>
           </p:cNvSpPr>
@@ -1984,13 +1746,7 @@
       </p:sp>
       <p:sp>
         <p:nvSpPr>
-          <p:cNvPr id="5" name="Slide Number Placeholder 4">
-            <a:extLst>
-              <a:ext uri="{FF2B5EF4-FFF2-40B4-BE49-F238E27FC236}">
-                <a16:creationId xmlns:a16="http://schemas.microsoft.com/office/drawing/2014/main" id="{AE2BF1FC-5941-ECAF-E07D-DC71A187CF9E}"/>
-              </a:ext>
-            </a:extLst>
-          </p:cNvPr>
+          <p:cNvPr id="5" name="Slide Number Placeholder 4"/>
           <p:cNvSpPr>
             <a:spLocks noGrp="1"/>
           </p:cNvSpPr>
@@ -2014,7 +1770,7 @@
     </p:spTree>
     <p:extLst>
       <p:ext uri="{BB962C8B-B14F-4D97-AF65-F5344CB8AC3E}">
-        <p14:creationId xmlns:p14="http://schemas.microsoft.com/office/powerpoint/2010/main" val="3033434755"/>
+        <p14:creationId xmlns:p14="http://schemas.microsoft.com/office/powerpoint/2010/main" val="2466284130"/>
       </p:ext>
     </p:extLst>
   </p:cSld>
@@ -2043,13 +1799,7 @@
       </p:grpSpPr>
       <p:sp>
         <p:nvSpPr>
-          <p:cNvPr id="2" name="Date Placeholder 1">
-            <a:extLst>
-              <a:ext uri="{FF2B5EF4-FFF2-40B4-BE49-F238E27FC236}">
-                <a16:creationId xmlns:a16="http://schemas.microsoft.com/office/drawing/2014/main" id="{D61DB8B8-2472-5813-9597-E513144B86E6}"/>
-              </a:ext>
-            </a:extLst>
-          </p:cNvPr>
+          <p:cNvPr id="2" name="Date Placeholder 1"/>
           <p:cNvSpPr>
             <a:spLocks noGrp="1"/>
           </p:cNvSpPr>
@@ -2072,13 +1822,7 @@
       </p:sp>
       <p:sp>
         <p:nvSpPr>
-          <p:cNvPr id="3" name="Footer Placeholder 2">
-            <a:extLst>
-              <a:ext uri="{FF2B5EF4-FFF2-40B4-BE49-F238E27FC236}">
-                <a16:creationId xmlns:a16="http://schemas.microsoft.com/office/drawing/2014/main" id="{AF732DB3-B541-1249-89A7-4F6154F06978}"/>
-              </a:ext>
-            </a:extLst>
-          </p:cNvPr>
+          <p:cNvPr id="3" name="Footer Placeholder 2"/>
           <p:cNvSpPr>
             <a:spLocks noGrp="1"/>
           </p:cNvSpPr>
@@ -2097,13 +1841,7 @@
       </p:sp>
       <p:sp>
         <p:nvSpPr>
-          <p:cNvPr id="4" name="Slide Number Placeholder 3">
-            <a:extLst>
-              <a:ext uri="{FF2B5EF4-FFF2-40B4-BE49-F238E27FC236}">
-                <a16:creationId xmlns:a16="http://schemas.microsoft.com/office/drawing/2014/main" id="{57D1CBD6-4AB9-7411-3DDC-BCD190F4145A}"/>
-              </a:ext>
-            </a:extLst>
-          </p:cNvPr>
+          <p:cNvPr id="4" name="Slide Number Placeholder 3"/>
           <p:cNvSpPr>
             <a:spLocks noGrp="1"/>
           </p:cNvSpPr>
@@ -2127,7 +1865,7 @@
     </p:spTree>
     <p:extLst>
       <p:ext uri="{BB962C8B-B14F-4D97-AF65-F5344CB8AC3E}">
-        <p14:creationId xmlns:p14="http://schemas.microsoft.com/office/powerpoint/2010/main" val="1296926622"/>
+        <p14:creationId xmlns:p14="http://schemas.microsoft.com/office/powerpoint/2010/main" val="1451428550"/>
       </p:ext>
     </p:extLst>
   </p:cSld>
@@ -2156,13 +1894,7 @@
       </p:grpSpPr>
       <p:sp>
         <p:nvSpPr>
-          <p:cNvPr id="2" name="Title 1">
-            <a:extLst>
-              <a:ext uri="{FF2B5EF4-FFF2-40B4-BE49-F238E27FC236}">
-                <a16:creationId xmlns:a16="http://schemas.microsoft.com/office/drawing/2014/main" id="{D2BA9A58-84D5-C641-543A-C904A419EC39}"/>
-              </a:ext>
-            </a:extLst>
-          </p:cNvPr>
+          <p:cNvPr id="2" name="Title 1"/>
           <p:cNvSpPr>
             <a:spLocks noGrp="1"/>
           </p:cNvSpPr>
@@ -2172,15 +1904,15 @@
         </p:nvSpPr>
         <p:spPr>
           <a:xfrm>
-            <a:off x="839788" y="457200"/>
-            <a:ext cx="3932237" cy="1600200"/>
+            <a:off x="472381" y="609600"/>
+            <a:ext cx="2211884" cy="2133600"/>
           </a:xfrm>
         </p:spPr>
         <p:txBody>
           <a:bodyPr anchor="b"/>
           <a:lstStyle>
             <a:lvl1pPr>
-              <a:defRPr sz="3200"/>
+              <a:defRPr sz="2400"/>
             </a:lvl1pPr>
           </a:lstStyle>
           <a:p>
@@ -2188,18 +1920,13 @@
               <a:rPr lang="en-US"/>
               <a:t>Click to edit Master title style</a:t>
             </a:r>
-          </a:p>
-        </p:txBody>
-      </p:sp>
-      <p:sp>
-        <p:nvSpPr>
-          <p:cNvPr id="3" name="Content Placeholder 2">
-            <a:extLst>
-              <a:ext uri="{FF2B5EF4-FFF2-40B4-BE49-F238E27FC236}">
-                <a16:creationId xmlns:a16="http://schemas.microsoft.com/office/drawing/2014/main" id="{1B1CABC7-680B-C4B3-1CEB-0FF0FE0BCA74}"/>
-              </a:ext>
-            </a:extLst>
-          </p:cNvPr>
+            <a:endParaRPr lang="en-US" dirty="0"/>
+          </a:p>
+        </p:txBody>
+      </p:sp>
+      <p:sp>
+        <p:nvSpPr>
+          <p:cNvPr id="3" name="Content Placeholder 2"/>
           <p:cNvSpPr>
             <a:spLocks noGrp="1"/>
           </p:cNvSpPr>
@@ -2209,39 +1936,39 @@
         </p:nvSpPr>
         <p:spPr>
           <a:xfrm>
-            <a:off x="5183188" y="987425"/>
-            <a:ext cx="6172200" cy="4873625"/>
+            <a:off x="2915543" y="1316569"/>
+            <a:ext cx="3471863" cy="6498167"/>
           </a:xfrm>
         </p:spPr>
         <p:txBody>
           <a:bodyPr/>
           <a:lstStyle>
             <a:lvl1pPr>
-              <a:defRPr sz="3200"/>
+              <a:defRPr sz="2400"/>
             </a:lvl1pPr>
             <a:lvl2pPr>
-              <a:defRPr sz="2800"/>
+              <a:defRPr sz="2100"/>
             </a:lvl2pPr>
             <a:lvl3pPr>
-              <a:defRPr sz="2400"/>
+              <a:defRPr sz="1800"/>
             </a:lvl3pPr>
             <a:lvl4pPr>
-              <a:defRPr sz="2000"/>
+              <a:defRPr sz="1500"/>
             </a:lvl4pPr>
             <a:lvl5pPr>
-              <a:defRPr sz="2000"/>
+              <a:defRPr sz="1500"/>
             </a:lvl5pPr>
             <a:lvl6pPr>
-              <a:defRPr sz="2000"/>
+              <a:defRPr sz="1500"/>
             </a:lvl6pPr>
             <a:lvl7pPr>
-              <a:defRPr sz="2000"/>
+              <a:defRPr sz="1500"/>
             </a:lvl7pPr>
             <a:lvl8pPr>
-              <a:defRPr sz="2000"/>
+              <a:defRPr sz="1500"/>
             </a:lvl8pPr>
             <a:lvl9pPr>
-              <a:defRPr sz="2000"/>
+              <a:defRPr sz="1500"/>
             </a:lvl9pPr>
           </a:lstStyle>
           <a:p>
@@ -2278,18 +2005,13 @@
               <a:rPr lang="en-US"/>
               <a:t>Fifth level</a:t>
             </a:r>
-          </a:p>
-        </p:txBody>
-      </p:sp>
-      <p:sp>
-        <p:nvSpPr>
-          <p:cNvPr id="4" name="Text Placeholder 3">
-            <a:extLst>
-              <a:ext uri="{FF2B5EF4-FFF2-40B4-BE49-F238E27FC236}">
-                <a16:creationId xmlns:a16="http://schemas.microsoft.com/office/drawing/2014/main" id="{94518DF3-4D57-C063-8D71-7DF2D88E0115}"/>
-              </a:ext>
-            </a:extLst>
-          </p:cNvPr>
+            <a:endParaRPr lang="en-US" dirty="0"/>
+          </a:p>
+        </p:txBody>
+      </p:sp>
+      <p:sp>
+        <p:nvSpPr>
+          <p:cNvPr id="4" name="Text Placeholder 3"/>
           <p:cNvSpPr>
             <a:spLocks noGrp="1"/>
           </p:cNvSpPr>
@@ -2299,8 +2021,8 @@
         </p:nvSpPr>
         <p:spPr>
           <a:xfrm>
-            <a:off x="839788" y="2057400"/>
-            <a:ext cx="3932237" cy="3811588"/>
+            <a:off x="472381" y="2743200"/>
+            <a:ext cx="2211884" cy="5082117"/>
           </a:xfrm>
         </p:spPr>
         <p:txBody>
@@ -2308,39 +2030,39 @@
           <a:lstStyle>
             <a:lvl1pPr marL="0" indent="0">
               <a:buNone/>
-              <a:defRPr sz="1600"/>
+              <a:defRPr sz="1200"/>
             </a:lvl1pPr>
-            <a:lvl2pPr marL="457200" indent="0">
-              <a:buNone/>
-              <a:defRPr sz="1400"/>
+            <a:lvl2pPr marL="342900" indent="0">
+              <a:buNone/>
+              <a:defRPr sz="1050"/>
             </a:lvl2pPr>
-            <a:lvl3pPr marL="914400" indent="0">
-              <a:buNone/>
-              <a:defRPr sz="1200"/>
+            <a:lvl3pPr marL="685800" indent="0">
+              <a:buNone/>
+              <a:defRPr sz="900"/>
             </a:lvl3pPr>
-            <a:lvl4pPr marL="1371600" indent="0">
-              <a:buNone/>
-              <a:defRPr sz="1000"/>
+            <a:lvl4pPr marL="1028700" indent="0">
+              <a:buNone/>
+              <a:defRPr sz="750"/>
             </a:lvl4pPr>
-            <a:lvl5pPr marL="1828800" indent="0">
-              <a:buNone/>
-              <a:defRPr sz="1000"/>
+            <a:lvl5pPr marL="1371600" indent="0">
+              <a:buNone/>
+              <a:defRPr sz="750"/>
             </a:lvl5pPr>
-            <a:lvl6pPr marL="2286000" indent="0">
-              <a:buNone/>
-              <a:defRPr sz="1000"/>
+            <a:lvl6pPr marL="1714500" indent="0">
+              <a:buNone/>
+              <a:defRPr sz="750"/>
             </a:lvl6pPr>
-            <a:lvl7pPr marL="2743200" indent="0">
-              <a:buNone/>
-              <a:defRPr sz="1000"/>
+            <a:lvl7pPr marL="2057400" indent="0">
+              <a:buNone/>
+              <a:defRPr sz="750"/>
             </a:lvl7pPr>
-            <a:lvl8pPr marL="3200400" indent="0">
-              <a:buNone/>
-              <a:defRPr sz="1000"/>
+            <a:lvl8pPr marL="2400300" indent="0">
+              <a:buNone/>
+              <a:defRPr sz="750"/>
             </a:lvl8pPr>
-            <a:lvl9pPr marL="3657600" indent="0">
-              <a:buNone/>
-              <a:defRPr sz="1000"/>
+            <a:lvl9pPr marL="2743200" indent="0">
+              <a:buNone/>
+              <a:defRPr sz="750"/>
             </a:lvl9pPr>
           </a:lstStyle>
           <a:p>
@@ -2354,13 +2076,7 @@
       </p:sp>
       <p:sp>
         <p:nvSpPr>
-          <p:cNvPr id="5" name="Date Placeholder 4">
-            <a:extLst>
-              <a:ext uri="{FF2B5EF4-FFF2-40B4-BE49-F238E27FC236}">
-                <a16:creationId xmlns:a16="http://schemas.microsoft.com/office/drawing/2014/main" id="{0A2D9B2D-5D47-21EA-F78B-529FC91A20DF}"/>
-              </a:ext>
-            </a:extLst>
-          </p:cNvPr>
+          <p:cNvPr id="5" name="Date Placeholder 4"/>
           <p:cNvSpPr>
             <a:spLocks noGrp="1"/>
           </p:cNvSpPr>
@@ -2383,13 +2099,7 @@
       </p:sp>
       <p:sp>
         <p:nvSpPr>
-          <p:cNvPr id="6" name="Footer Placeholder 5">
-            <a:extLst>
-              <a:ext uri="{FF2B5EF4-FFF2-40B4-BE49-F238E27FC236}">
-                <a16:creationId xmlns:a16="http://schemas.microsoft.com/office/drawing/2014/main" id="{AA6E7B8F-6D8D-D042-30BB-2D96FC26E375}"/>
-              </a:ext>
-            </a:extLst>
-          </p:cNvPr>
+          <p:cNvPr id="6" name="Footer Placeholder 5"/>
           <p:cNvSpPr>
             <a:spLocks noGrp="1"/>
           </p:cNvSpPr>
@@ -2408,13 +2118,7 @@
       </p:sp>
       <p:sp>
         <p:nvSpPr>
-          <p:cNvPr id="7" name="Slide Number Placeholder 6">
-            <a:extLst>
-              <a:ext uri="{FF2B5EF4-FFF2-40B4-BE49-F238E27FC236}">
-                <a16:creationId xmlns:a16="http://schemas.microsoft.com/office/drawing/2014/main" id="{B91100A3-04FF-7B2A-A673-1B3747DFA0B4}"/>
-              </a:ext>
-            </a:extLst>
-          </p:cNvPr>
+          <p:cNvPr id="7" name="Slide Number Placeholder 6"/>
           <p:cNvSpPr>
             <a:spLocks noGrp="1"/>
           </p:cNvSpPr>
@@ -2438,7 +2142,7 @@
     </p:spTree>
     <p:extLst>
       <p:ext uri="{BB962C8B-B14F-4D97-AF65-F5344CB8AC3E}">
-        <p14:creationId xmlns:p14="http://schemas.microsoft.com/office/powerpoint/2010/main" val="2255009205"/>
+        <p14:creationId xmlns:p14="http://schemas.microsoft.com/office/powerpoint/2010/main" val="2277763873"/>
       </p:ext>
     </p:extLst>
   </p:cSld>
@@ -2467,13 +2171,7 @@
       </p:grpSpPr>
       <p:sp>
         <p:nvSpPr>
-          <p:cNvPr id="2" name="Title 1">
-            <a:extLst>
-              <a:ext uri="{FF2B5EF4-FFF2-40B4-BE49-F238E27FC236}">
-                <a16:creationId xmlns:a16="http://schemas.microsoft.com/office/drawing/2014/main" id="{EC473736-35DA-B112-609B-3ECBA9E74314}"/>
-              </a:ext>
-            </a:extLst>
-          </p:cNvPr>
+          <p:cNvPr id="2" name="Title 1"/>
           <p:cNvSpPr>
             <a:spLocks noGrp="1"/>
           </p:cNvSpPr>
@@ -2483,15 +2181,15 @@
         </p:nvSpPr>
         <p:spPr>
           <a:xfrm>
-            <a:off x="839788" y="457200"/>
-            <a:ext cx="3932237" cy="1600200"/>
+            <a:off x="472381" y="609600"/>
+            <a:ext cx="2211884" cy="2133600"/>
           </a:xfrm>
         </p:spPr>
         <p:txBody>
           <a:bodyPr anchor="b"/>
           <a:lstStyle>
             <a:lvl1pPr>
-              <a:defRPr sz="3200"/>
+              <a:defRPr sz="2400"/>
             </a:lvl1pPr>
           </a:lstStyle>
           <a:p>
@@ -2499,20 +2197,15 @@
               <a:rPr lang="en-US"/>
               <a:t>Click to edit Master title style</a:t>
             </a:r>
-          </a:p>
-        </p:txBody>
-      </p:sp>
-      <p:sp>
-        <p:nvSpPr>
-          <p:cNvPr id="3" name="Picture Placeholder 2">
-            <a:extLst>
-              <a:ext uri="{FF2B5EF4-FFF2-40B4-BE49-F238E27FC236}">
-                <a16:creationId xmlns:a16="http://schemas.microsoft.com/office/drawing/2014/main" id="{3B3BF878-A62F-1684-9008-4884894D41BB}"/>
-              </a:ext>
-            </a:extLst>
-          </p:cNvPr>
-          <p:cNvSpPr>
-            <a:spLocks noGrp="1"/>
+            <a:endParaRPr lang="en-US" dirty="0"/>
+          </a:p>
+        </p:txBody>
+      </p:sp>
+      <p:sp>
+        <p:nvSpPr>
+          <p:cNvPr id="3" name="Picture Placeholder 2"/>
+          <p:cNvSpPr>
+            <a:spLocks noGrp="1" noChangeAspect="1"/>
           </p:cNvSpPr>
           <p:nvPr>
             <p:ph type="pic" idx="1"/>
@@ -2520,64 +2213,62 @@
         </p:nvSpPr>
         <p:spPr>
           <a:xfrm>
-            <a:off x="5183188" y="987425"/>
-            <a:ext cx="6172200" cy="4873625"/>
+            <a:off x="2915543" y="1316569"/>
+            <a:ext cx="3471863" cy="6498167"/>
           </a:xfrm>
         </p:spPr>
         <p:txBody>
-          <a:bodyPr/>
+          <a:bodyPr anchor="t"/>
           <a:lstStyle>
             <a:lvl1pPr marL="0" indent="0">
               <a:buNone/>
-              <a:defRPr sz="3200"/>
+              <a:defRPr sz="2400"/>
             </a:lvl1pPr>
-            <a:lvl2pPr marL="457200" indent="0">
-              <a:buNone/>
-              <a:defRPr sz="2800"/>
+            <a:lvl2pPr marL="342900" indent="0">
+              <a:buNone/>
+              <a:defRPr sz="2100"/>
             </a:lvl2pPr>
-            <a:lvl3pPr marL="914400" indent="0">
-              <a:buNone/>
-              <a:defRPr sz="2400"/>
+            <a:lvl3pPr marL="685800" indent="0">
+              <a:buNone/>
+              <a:defRPr sz="1800"/>
             </a:lvl3pPr>
-            <a:lvl4pPr marL="1371600" indent="0">
-              <a:buNone/>
-              <a:defRPr sz="2000"/>
+            <a:lvl4pPr marL="1028700" indent="0">
+              <a:buNone/>
+              <a:defRPr sz="1500"/>
             </a:lvl4pPr>
-            <a:lvl5pPr marL="1828800" indent="0">
-              <a:buNone/>
-              <a:defRPr sz="2000"/>
+            <a:lvl5pPr marL="1371600" indent="0">
+              <a:buNone/>
+              <a:defRPr sz="1500"/>
             </a:lvl5pPr>
-            <a:lvl6pPr marL="2286000" indent="0">
-              <a:buNone/>
-              <a:defRPr sz="2000"/>
+            <a:lvl6pPr marL="1714500" indent="0">
+              <a:buNone/>
+              <a:defRPr sz="1500"/>
             </a:lvl6pPr>
-            <a:lvl7pPr marL="2743200" indent="0">
-              <a:buNone/>
-              <a:defRPr sz="2000"/>
+            <a:lvl7pPr marL="2057400" indent="0">
+              <a:buNone/>
+              <a:defRPr sz="1500"/>
             </a:lvl7pPr>
-            <a:lvl8pPr marL="3200400" indent="0">
-              <a:buNone/>
-              <a:defRPr sz="2000"/>
+            <a:lvl8pPr marL="2400300" indent="0">
+              <a:buNone/>
+              <a:defRPr sz="1500"/>
             </a:lvl8pPr>
-            <a:lvl9pPr marL="3657600" indent="0">
-              <a:buNone/>
-              <a:defRPr sz="2000"/>
+            <a:lvl9pPr marL="2743200" indent="0">
+              <a:buNone/>
+              <a:defRPr sz="1500"/>
             </a:lvl9pPr>
           </a:lstStyle>
           <a:p>
-            <a:endParaRPr lang="en-US"/>
-          </a:p>
-        </p:txBody>
-      </p:sp>
-      <p:sp>
-        <p:nvSpPr>
-          <p:cNvPr id="4" name="Text Placeholder 3">
-            <a:extLst>
-              <a:ext uri="{FF2B5EF4-FFF2-40B4-BE49-F238E27FC236}">
-                <a16:creationId xmlns:a16="http://schemas.microsoft.com/office/drawing/2014/main" id="{BBD321B9-BA36-25F1-88A8-483C775D6D6F}"/>
-              </a:ext>
-            </a:extLst>
-          </p:cNvPr>
+            <a:r>
+              <a:rPr lang="en-US"/>
+              <a:t>Click icon to add picture</a:t>
+            </a:r>
+            <a:endParaRPr lang="en-US" dirty="0"/>
+          </a:p>
+        </p:txBody>
+      </p:sp>
+      <p:sp>
+        <p:nvSpPr>
+          <p:cNvPr id="4" name="Text Placeholder 3"/>
           <p:cNvSpPr>
             <a:spLocks noGrp="1"/>
           </p:cNvSpPr>
@@ -2587,8 +2278,8 @@
         </p:nvSpPr>
         <p:spPr>
           <a:xfrm>
-            <a:off x="839788" y="2057400"/>
-            <a:ext cx="3932237" cy="3811588"/>
+            <a:off x="472381" y="2743200"/>
+            <a:ext cx="2211884" cy="5082117"/>
           </a:xfrm>
         </p:spPr>
         <p:txBody>
@@ -2596,39 +2287,39 @@
           <a:lstStyle>
             <a:lvl1pPr marL="0" indent="0">
               <a:buNone/>
-              <a:defRPr sz="1600"/>
+              <a:defRPr sz="1200"/>
             </a:lvl1pPr>
-            <a:lvl2pPr marL="457200" indent="0">
-              <a:buNone/>
-              <a:defRPr sz="1400"/>
+            <a:lvl2pPr marL="342900" indent="0">
+              <a:buNone/>
+              <a:defRPr sz="1050"/>
             </a:lvl2pPr>
-            <a:lvl3pPr marL="914400" indent="0">
-              <a:buNone/>
-              <a:defRPr sz="1200"/>
+            <a:lvl3pPr marL="685800" indent="0">
+              <a:buNone/>
+              <a:defRPr sz="900"/>
             </a:lvl3pPr>
-            <a:lvl4pPr marL="1371600" indent="0">
-              <a:buNone/>
-              <a:defRPr sz="1000"/>
+            <a:lvl4pPr marL="1028700" indent="0">
+              <a:buNone/>
+              <a:defRPr sz="750"/>
             </a:lvl4pPr>
-            <a:lvl5pPr marL="1828800" indent="0">
-              <a:buNone/>
-              <a:defRPr sz="1000"/>
+            <a:lvl5pPr marL="1371600" indent="0">
+              <a:buNone/>
+              <a:defRPr sz="750"/>
             </a:lvl5pPr>
-            <a:lvl6pPr marL="2286000" indent="0">
-              <a:buNone/>
-              <a:defRPr sz="1000"/>
+            <a:lvl6pPr marL="1714500" indent="0">
+              <a:buNone/>
+              <a:defRPr sz="750"/>
             </a:lvl6pPr>
-            <a:lvl7pPr marL="2743200" indent="0">
-              <a:buNone/>
-              <a:defRPr sz="1000"/>
+            <a:lvl7pPr marL="2057400" indent="0">
+              <a:buNone/>
+              <a:defRPr sz="750"/>
             </a:lvl7pPr>
-            <a:lvl8pPr marL="3200400" indent="0">
-              <a:buNone/>
-              <a:defRPr sz="1000"/>
+            <a:lvl8pPr marL="2400300" indent="0">
+              <a:buNone/>
+              <a:defRPr sz="750"/>
             </a:lvl8pPr>
-            <a:lvl9pPr marL="3657600" indent="0">
-              <a:buNone/>
-              <a:defRPr sz="1000"/>
+            <a:lvl9pPr marL="2743200" indent="0">
+              <a:buNone/>
+              <a:defRPr sz="750"/>
             </a:lvl9pPr>
           </a:lstStyle>
           <a:p>
@@ -2642,13 +2333,7 @@
       </p:sp>
       <p:sp>
         <p:nvSpPr>
-          <p:cNvPr id="5" name="Date Placeholder 4">
-            <a:extLst>
-              <a:ext uri="{FF2B5EF4-FFF2-40B4-BE49-F238E27FC236}">
-                <a16:creationId xmlns:a16="http://schemas.microsoft.com/office/drawing/2014/main" id="{1AF309CE-8270-7E82-4C93-5C497A824181}"/>
-              </a:ext>
-            </a:extLst>
-          </p:cNvPr>
+          <p:cNvPr id="5" name="Date Placeholder 4"/>
           <p:cNvSpPr>
             <a:spLocks noGrp="1"/>
           </p:cNvSpPr>
@@ -2671,13 +2356,7 @@
       </p:sp>
       <p:sp>
         <p:nvSpPr>
-          <p:cNvPr id="6" name="Footer Placeholder 5">
-            <a:extLst>
-              <a:ext uri="{FF2B5EF4-FFF2-40B4-BE49-F238E27FC236}">
-                <a16:creationId xmlns:a16="http://schemas.microsoft.com/office/drawing/2014/main" id="{C0EB6570-DB57-EF73-6241-06CB83FC2FA1}"/>
-              </a:ext>
-            </a:extLst>
-          </p:cNvPr>
+          <p:cNvPr id="6" name="Footer Placeholder 5"/>
           <p:cNvSpPr>
             <a:spLocks noGrp="1"/>
           </p:cNvSpPr>
@@ -2696,13 +2375,7 @@
       </p:sp>
       <p:sp>
         <p:nvSpPr>
-          <p:cNvPr id="7" name="Slide Number Placeholder 6">
-            <a:extLst>
-              <a:ext uri="{FF2B5EF4-FFF2-40B4-BE49-F238E27FC236}">
-                <a16:creationId xmlns:a16="http://schemas.microsoft.com/office/drawing/2014/main" id="{8830092B-13ED-13A3-96B2-5419B6088FC0}"/>
-              </a:ext>
-            </a:extLst>
-          </p:cNvPr>
+          <p:cNvPr id="7" name="Slide Number Placeholder 6"/>
           <p:cNvSpPr>
             <a:spLocks noGrp="1"/>
           </p:cNvSpPr>
@@ -2726,7 +2399,7 @@
     </p:spTree>
     <p:extLst>
       <p:ext uri="{BB962C8B-B14F-4D97-AF65-F5344CB8AC3E}">
-        <p14:creationId xmlns:p14="http://schemas.microsoft.com/office/powerpoint/2010/main" val="4005937975"/>
+        <p14:creationId xmlns:p14="http://schemas.microsoft.com/office/powerpoint/2010/main" val="2132492858"/>
       </p:ext>
     </p:extLst>
   </p:cSld>
@@ -2760,13 +2433,7 @@
       </p:grpSpPr>
       <p:sp>
         <p:nvSpPr>
-          <p:cNvPr id="2" name="Title Placeholder 1">
-            <a:extLst>
-              <a:ext uri="{FF2B5EF4-FFF2-40B4-BE49-F238E27FC236}">
-                <a16:creationId xmlns:a16="http://schemas.microsoft.com/office/drawing/2014/main" id="{C1D46DCD-C610-9421-EE7C-F8BAE630455B}"/>
-              </a:ext>
-            </a:extLst>
-          </p:cNvPr>
+          <p:cNvPr id="2" name="Title Placeholder 1"/>
           <p:cNvSpPr>
             <a:spLocks noGrp="1"/>
           </p:cNvSpPr>
@@ -2776,8 +2443,8 @@
         </p:nvSpPr>
         <p:spPr>
           <a:xfrm>
-            <a:off x="838200" y="365125"/>
-            <a:ext cx="10515600" cy="1325563"/>
+            <a:off x="471488" y="486836"/>
+            <a:ext cx="5915025" cy="1767417"/>
           </a:xfrm>
           <a:prstGeom prst="rect">
             <a:avLst/>
@@ -2793,18 +2460,13 @@
               <a:rPr lang="en-US"/>
               <a:t>Click to edit Master title style</a:t>
             </a:r>
-          </a:p>
-        </p:txBody>
-      </p:sp>
-      <p:sp>
-        <p:nvSpPr>
-          <p:cNvPr id="3" name="Text Placeholder 2">
-            <a:extLst>
-              <a:ext uri="{FF2B5EF4-FFF2-40B4-BE49-F238E27FC236}">
-                <a16:creationId xmlns:a16="http://schemas.microsoft.com/office/drawing/2014/main" id="{D562E9D7-16C4-197D-CD2E-26DAF9E982A6}"/>
-              </a:ext>
-            </a:extLst>
-          </p:cNvPr>
+            <a:endParaRPr lang="en-US" dirty="0"/>
+          </a:p>
+        </p:txBody>
+      </p:sp>
+      <p:sp>
+        <p:nvSpPr>
+          <p:cNvPr id="3" name="Text Placeholder 2"/>
           <p:cNvSpPr>
             <a:spLocks noGrp="1"/>
           </p:cNvSpPr>
@@ -2814,8 +2476,8 @@
         </p:nvSpPr>
         <p:spPr>
           <a:xfrm>
-            <a:off x="838200" y="1825625"/>
-            <a:ext cx="10515600" cy="4351338"/>
+            <a:off x="471488" y="2434167"/>
+            <a:ext cx="5915025" cy="5801784"/>
           </a:xfrm>
           <a:prstGeom prst="rect">
             <a:avLst/>
@@ -2860,18 +2522,13 @@
               <a:rPr lang="en-US"/>
               <a:t>Fifth level</a:t>
             </a:r>
-          </a:p>
-        </p:txBody>
-      </p:sp>
-      <p:sp>
-        <p:nvSpPr>
-          <p:cNvPr id="4" name="Date Placeholder 3">
-            <a:extLst>
-              <a:ext uri="{FF2B5EF4-FFF2-40B4-BE49-F238E27FC236}">
-                <a16:creationId xmlns:a16="http://schemas.microsoft.com/office/drawing/2014/main" id="{7C2762A5-3A10-3D1D-B09A-FE423B02D9DE}"/>
-              </a:ext>
-            </a:extLst>
-          </p:cNvPr>
+            <a:endParaRPr lang="en-US" dirty="0"/>
+          </a:p>
+        </p:txBody>
+      </p:sp>
+      <p:sp>
+        <p:nvSpPr>
+          <p:cNvPr id="4" name="Date Placeholder 3"/>
           <p:cNvSpPr>
             <a:spLocks noGrp="1"/>
           </p:cNvSpPr>
@@ -2881,8 +2538,8 @@
         </p:nvSpPr>
         <p:spPr>
           <a:xfrm>
-            <a:off x="838200" y="6356350"/>
-            <a:ext cx="2743200" cy="365125"/>
+            <a:off x="471488" y="8475136"/>
+            <a:ext cx="1543050" cy="486833"/>
           </a:xfrm>
           <a:prstGeom prst="rect">
             <a:avLst/>
@@ -2892,7 +2549,7 @@
           <a:bodyPr vert="horz" lIns="91440" tIns="45720" rIns="91440" bIns="45720" rtlCol="0" anchor="ctr"/>
           <a:lstStyle>
             <a:lvl1pPr algn="l">
-              <a:defRPr sz="1200">
+              <a:defRPr sz="900">
                 <a:solidFill>
                   <a:schemeClr val="tx1">
                     <a:tint val="75000"/>
@@ -2912,13 +2569,7 @@
       </p:sp>
       <p:sp>
         <p:nvSpPr>
-          <p:cNvPr id="5" name="Footer Placeholder 4">
-            <a:extLst>
-              <a:ext uri="{FF2B5EF4-FFF2-40B4-BE49-F238E27FC236}">
-                <a16:creationId xmlns:a16="http://schemas.microsoft.com/office/drawing/2014/main" id="{5104E4A0-1D9C-E01A-EFD0-01D74EE49E91}"/>
-              </a:ext>
-            </a:extLst>
-          </p:cNvPr>
+          <p:cNvPr id="5" name="Footer Placeholder 4"/>
           <p:cNvSpPr>
             <a:spLocks noGrp="1"/>
           </p:cNvSpPr>
@@ -2928,8 +2579,8 @@
         </p:nvSpPr>
         <p:spPr>
           <a:xfrm>
-            <a:off x="4038600" y="6356350"/>
-            <a:ext cx="4114800" cy="365125"/>
+            <a:off x="2271713" y="8475136"/>
+            <a:ext cx="2314575" cy="486833"/>
           </a:xfrm>
           <a:prstGeom prst="rect">
             <a:avLst/>
@@ -2939,7 +2590,7 @@
           <a:bodyPr vert="horz" lIns="91440" tIns="45720" rIns="91440" bIns="45720" rtlCol="0" anchor="ctr"/>
           <a:lstStyle>
             <a:lvl1pPr algn="ctr">
-              <a:defRPr sz="1200">
+              <a:defRPr sz="900">
                 <a:solidFill>
                   <a:schemeClr val="tx1">
                     <a:tint val="75000"/>
@@ -2955,13 +2606,7 @@
       </p:sp>
       <p:sp>
         <p:nvSpPr>
-          <p:cNvPr id="6" name="Slide Number Placeholder 5">
-            <a:extLst>
-              <a:ext uri="{FF2B5EF4-FFF2-40B4-BE49-F238E27FC236}">
-                <a16:creationId xmlns:a16="http://schemas.microsoft.com/office/drawing/2014/main" id="{536914AA-6675-6EF9-888E-D7218C68BE2E}"/>
-              </a:ext>
-            </a:extLst>
-          </p:cNvPr>
+          <p:cNvPr id="6" name="Slide Number Placeholder 5"/>
           <p:cNvSpPr>
             <a:spLocks noGrp="1"/>
           </p:cNvSpPr>
@@ -2971,8 +2616,8 @@
         </p:nvSpPr>
         <p:spPr>
           <a:xfrm>
-            <a:off x="8610600" y="6356350"/>
-            <a:ext cx="2743200" cy="365125"/>
+            <a:off x="4843463" y="8475136"/>
+            <a:ext cx="1543050" cy="486833"/>
           </a:xfrm>
           <a:prstGeom prst="rect">
             <a:avLst/>
@@ -2982,7 +2627,7 @@
           <a:bodyPr vert="horz" lIns="91440" tIns="45720" rIns="91440" bIns="45720" rtlCol="0" anchor="ctr"/>
           <a:lstStyle>
             <a:lvl1pPr algn="r">
-              <a:defRPr sz="1200">
+              <a:defRPr sz="900">
                 <a:solidFill>
                   <a:schemeClr val="tx1">
                     <a:tint val="75000"/>
@@ -3003,27 +2648,27 @@
     </p:spTree>
     <p:extLst>
       <p:ext uri="{BB962C8B-B14F-4D97-AF65-F5344CB8AC3E}">
-        <p14:creationId xmlns:p14="http://schemas.microsoft.com/office/powerpoint/2010/main" val="1977876639"/>
+        <p14:creationId xmlns:p14="http://schemas.microsoft.com/office/powerpoint/2010/main" val="3576070530"/>
       </p:ext>
     </p:extLst>
   </p:cSld>
   <p:clrMap bg1="lt1" tx1="dk1" bg2="lt2" tx2="dk2" accent1="accent1" accent2="accent2" accent3="accent3" accent4="accent4" accent5="accent5" accent6="accent6" hlink="hlink" folHlink="folHlink"/>
   <p:sldLayoutIdLst>
-    <p:sldLayoutId id="2147483649" r:id="rId1"/>
-    <p:sldLayoutId id="2147483650" r:id="rId2"/>
-    <p:sldLayoutId id="2147483651" r:id="rId3"/>
-    <p:sldLayoutId id="2147483652" r:id="rId4"/>
-    <p:sldLayoutId id="2147483653" r:id="rId5"/>
-    <p:sldLayoutId id="2147483654" r:id="rId6"/>
-    <p:sldLayoutId id="2147483655" r:id="rId7"/>
-    <p:sldLayoutId id="2147483656" r:id="rId8"/>
-    <p:sldLayoutId id="2147483657" r:id="rId9"/>
-    <p:sldLayoutId id="2147483658" r:id="rId10"/>
-    <p:sldLayoutId id="2147483659" r:id="rId11"/>
+    <p:sldLayoutId id="2147483673" r:id="rId1"/>
+    <p:sldLayoutId id="2147483674" r:id="rId2"/>
+    <p:sldLayoutId id="2147483675" r:id="rId3"/>
+    <p:sldLayoutId id="2147483676" r:id="rId4"/>
+    <p:sldLayoutId id="2147483677" r:id="rId5"/>
+    <p:sldLayoutId id="2147483678" r:id="rId6"/>
+    <p:sldLayoutId id="2147483679" r:id="rId7"/>
+    <p:sldLayoutId id="2147483680" r:id="rId8"/>
+    <p:sldLayoutId id="2147483681" r:id="rId9"/>
+    <p:sldLayoutId id="2147483682" r:id="rId10"/>
+    <p:sldLayoutId id="2147483683" r:id="rId11"/>
   </p:sldLayoutIdLst>
   <p:txStyles>
     <p:titleStyle>
-      <a:lvl1pPr algn="l" defTabSz="914400" rtl="0" eaLnBrk="1" latinLnBrk="0" hangingPunct="1">
+      <a:lvl1pPr algn="l" defTabSz="685800" rtl="0" eaLnBrk="1" latinLnBrk="0" hangingPunct="1">
         <a:lnSpc>
           <a:spcPct val="90000"/>
         </a:lnSpc>
@@ -3031,7 +2676,7 @@
           <a:spcPct val="0"/>
         </a:spcBef>
         <a:buNone/>
-        <a:defRPr sz="4400" kern="1200">
+        <a:defRPr sz="3300" kern="1200">
           <a:solidFill>
             <a:schemeClr val="tx1"/>
           </a:solidFill>
@@ -3042,16 +2687,16 @@
       </a:lvl1pPr>
     </p:titleStyle>
     <p:bodyStyle>
-      <a:lvl1pPr marL="228600" indent="-228600" algn="l" defTabSz="914400" rtl="0" eaLnBrk="1" latinLnBrk="0" hangingPunct="1">
+      <a:lvl1pPr marL="171450" indent="-171450" algn="l" defTabSz="685800" rtl="0" eaLnBrk="1" latinLnBrk="0" hangingPunct="1">
         <a:lnSpc>
           <a:spcPct val="90000"/>
         </a:lnSpc>
         <a:spcBef>
-          <a:spcPts val="1000"/>
+          <a:spcPts val="750"/>
         </a:spcBef>
         <a:buFont typeface="Arial" panose="020B0604020202020204" pitchFamily="34" charset="0"/>
         <a:buChar char="•"/>
-        <a:defRPr sz="2800" kern="1200">
+        <a:defRPr sz="2100" kern="1200">
           <a:solidFill>
             <a:schemeClr val="tx1"/>
           </a:solidFill>
@@ -3060,48 +2705,12 @@
           <a:cs typeface="+mn-cs"/>
         </a:defRPr>
       </a:lvl1pPr>
-      <a:lvl2pPr marL="685800" indent="-228600" algn="l" defTabSz="914400" rtl="0" eaLnBrk="1" latinLnBrk="0" hangingPunct="1">
+      <a:lvl2pPr marL="514350" indent="-171450" algn="l" defTabSz="685800" rtl="0" eaLnBrk="1" latinLnBrk="0" hangingPunct="1">
         <a:lnSpc>
           <a:spcPct val="90000"/>
         </a:lnSpc>
         <a:spcBef>
-          <a:spcPts val="500"/>
-        </a:spcBef>
-        <a:buFont typeface="Arial" panose="020B0604020202020204" pitchFamily="34" charset="0"/>
-        <a:buChar char="•"/>
-        <a:defRPr sz="2400" kern="1200">
-          <a:solidFill>
-            <a:schemeClr val="tx1"/>
-          </a:solidFill>
-          <a:latin typeface="+mn-lt"/>
-          <a:ea typeface="+mn-ea"/>
-          <a:cs typeface="+mn-cs"/>
-        </a:defRPr>
-      </a:lvl2pPr>
-      <a:lvl3pPr marL="1143000" indent="-228600" algn="l" defTabSz="914400" rtl="0" eaLnBrk="1" latinLnBrk="0" hangingPunct="1">
-        <a:lnSpc>
-          <a:spcPct val="90000"/>
-        </a:lnSpc>
-        <a:spcBef>
-          <a:spcPts val="500"/>
-        </a:spcBef>
-        <a:buFont typeface="Arial" panose="020B0604020202020204" pitchFamily="34" charset="0"/>
-        <a:buChar char="•"/>
-        <a:defRPr sz="2000" kern="1200">
-          <a:solidFill>
-            <a:schemeClr val="tx1"/>
-          </a:solidFill>
-          <a:latin typeface="+mn-lt"/>
-          <a:ea typeface="+mn-ea"/>
-          <a:cs typeface="+mn-cs"/>
-        </a:defRPr>
-      </a:lvl3pPr>
-      <a:lvl4pPr marL="1600200" indent="-228600" algn="l" defTabSz="914400" rtl="0" eaLnBrk="1" latinLnBrk="0" hangingPunct="1">
-        <a:lnSpc>
-          <a:spcPct val="90000"/>
-        </a:lnSpc>
-        <a:spcBef>
-          <a:spcPts val="500"/>
+          <a:spcPts val="375"/>
         </a:spcBef>
         <a:buFont typeface="Arial" panose="020B0604020202020204" pitchFamily="34" charset="0"/>
         <a:buChar char="•"/>
@@ -3113,17 +2722,53 @@
           <a:ea typeface="+mn-ea"/>
           <a:cs typeface="+mn-cs"/>
         </a:defRPr>
-      </a:lvl4pPr>
-      <a:lvl5pPr marL="2057400" indent="-228600" algn="l" defTabSz="914400" rtl="0" eaLnBrk="1" latinLnBrk="0" hangingPunct="1">
+      </a:lvl2pPr>
+      <a:lvl3pPr marL="857250" indent="-171450" algn="l" defTabSz="685800" rtl="0" eaLnBrk="1" latinLnBrk="0" hangingPunct="1">
         <a:lnSpc>
           <a:spcPct val="90000"/>
         </a:lnSpc>
         <a:spcBef>
-          <a:spcPts val="500"/>
+          <a:spcPts val="375"/>
         </a:spcBef>
         <a:buFont typeface="Arial" panose="020B0604020202020204" pitchFamily="34" charset="0"/>
         <a:buChar char="•"/>
-        <a:defRPr sz="1800" kern="1200">
+        <a:defRPr sz="1500" kern="1200">
+          <a:solidFill>
+            <a:schemeClr val="tx1"/>
+          </a:solidFill>
+          <a:latin typeface="+mn-lt"/>
+          <a:ea typeface="+mn-ea"/>
+          <a:cs typeface="+mn-cs"/>
+        </a:defRPr>
+      </a:lvl3pPr>
+      <a:lvl4pPr marL="1200150" indent="-171450" algn="l" defTabSz="685800" rtl="0" eaLnBrk="1" latinLnBrk="0" hangingPunct="1">
+        <a:lnSpc>
+          <a:spcPct val="90000"/>
+        </a:lnSpc>
+        <a:spcBef>
+          <a:spcPts val="375"/>
+        </a:spcBef>
+        <a:buFont typeface="Arial" panose="020B0604020202020204" pitchFamily="34" charset="0"/>
+        <a:buChar char="•"/>
+        <a:defRPr sz="1350" kern="1200">
+          <a:solidFill>
+            <a:schemeClr val="tx1"/>
+          </a:solidFill>
+          <a:latin typeface="+mn-lt"/>
+          <a:ea typeface="+mn-ea"/>
+          <a:cs typeface="+mn-cs"/>
+        </a:defRPr>
+      </a:lvl4pPr>
+      <a:lvl5pPr marL="1543050" indent="-171450" algn="l" defTabSz="685800" rtl="0" eaLnBrk="1" latinLnBrk="0" hangingPunct="1">
+        <a:lnSpc>
+          <a:spcPct val="90000"/>
+        </a:lnSpc>
+        <a:spcBef>
+          <a:spcPts val="375"/>
+        </a:spcBef>
+        <a:buFont typeface="Arial" panose="020B0604020202020204" pitchFamily="34" charset="0"/>
+        <a:buChar char="•"/>
+        <a:defRPr sz="1350" kern="1200">
           <a:solidFill>
             <a:schemeClr val="tx1"/>
           </a:solidFill>
@@ -3132,16 +2777,16 @@
           <a:cs typeface="+mn-cs"/>
         </a:defRPr>
       </a:lvl5pPr>
-      <a:lvl6pPr marL="2514600" indent="-228600" algn="l" defTabSz="914400" rtl="0" eaLnBrk="1" latinLnBrk="0" hangingPunct="1">
+      <a:lvl6pPr marL="1885950" indent="-171450" algn="l" defTabSz="685800" rtl="0" eaLnBrk="1" latinLnBrk="0" hangingPunct="1">
         <a:lnSpc>
           <a:spcPct val="90000"/>
         </a:lnSpc>
         <a:spcBef>
-          <a:spcPts val="500"/>
+          <a:spcPts val="375"/>
         </a:spcBef>
         <a:buFont typeface="Arial" panose="020B0604020202020204" pitchFamily="34" charset="0"/>
         <a:buChar char="•"/>
-        <a:defRPr sz="1800" kern="1200">
+        <a:defRPr sz="1350" kern="1200">
           <a:solidFill>
             <a:schemeClr val="tx1"/>
           </a:solidFill>
@@ -3150,16 +2795,16 @@
           <a:cs typeface="+mn-cs"/>
         </a:defRPr>
       </a:lvl6pPr>
-      <a:lvl7pPr marL="2971800" indent="-228600" algn="l" defTabSz="914400" rtl="0" eaLnBrk="1" latinLnBrk="0" hangingPunct="1">
+      <a:lvl7pPr marL="2228850" indent="-171450" algn="l" defTabSz="685800" rtl="0" eaLnBrk="1" latinLnBrk="0" hangingPunct="1">
         <a:lnSpc>
           <a:spcPct val="90000"/>
         </a:lnSpc>
         <a:spcBef>
-          <a:spcPts val="500"/>
+          <a:spcPts val="375"/>
         </a:spcBef>
         <a:buFont typeface="Arial" panose="020B0604020202020204" pitchFamily="34" charset="0"/>
         <a:buChar char="•"/>
-        <a:defRPr sz="1800" kern="1200">
+        <a:defRPr sz="1350" kern="1200">
           <a:solidFill>
             <a:schemeClr val="tx1"/>
           </a:solidFill>
@@ -3168,16 +2813,16 @@
           <a:cs typeface="+mn-cs"/>
         </a:defRPr>
       </a:lvl7pPr>
-      <a:lvl8pPr marL="3429000" indent="-228600" algn="l" defTabSz="914400" rtl="0" eaLnBrk="1" latinLnBrk="0" hangingPunct="1">
+      <a:lvl8pPr marL="2571750" indent="-171450" algn="l" defTabSz="685800" rtl="0" eaLnBrk="1" latinLnBrk="0" hangingPunct="1">
         <a:lnSpc>
           <a:spcPct val="90000"/>
         </a:lnSpc>
         <a:spcBef>
-          <a:spcPts val="500"/>
+          <a:spcPts val="375"/>
         </a:spcBef>
         <a:buFont typeface="Arial" panose="020B0604020202020204" pitchFamily="34" charset="0"/>
         <a:buChar char="•"/>
-        <a:defRPr sz="1800" kern="1200">
+        <a:defRPr sz="1350" kern="1200">
           <a:solidFill>
             <a:schemeClr val="tx1"/>
           </a:solidFill>
@@ -3186,16 +2831,16 @@
           <a:cs typeface="+mn-cs"/>
         </a:defRPr>
       </a:lvl8pPr>
-      <a:lvl9pPr marL="3886200" indent="-228600" algn="l" defTabSz="914400" rtl="0" eaLnBrk="1" latinLnBrk="0" hangingPunct="1">
+      <a:lvl9pPr marL="2914650" indent="-171450" algn="l" defTabSz="685800" rtl="0" eaLnBrk="1" latinLnBrk="0" hangingPunct="1">
         <a:lnSpc>
           <a:spcPct val="90000"/>
         </a:lnSpc>
         <a:spcBef>
-          <a:spcPts val="500"/>
+          <a:spcPts val="375"/>
         </a:spcBef>
         <a:buFont typeface="Arial" panose="020B0604020202020204" pitchFamily="34" charset="0"/>
         <a:buChar char="•"/>
-        <a:defRPr sz="1800" kern="1200">
+        <a:defRPr sz="1350" kern="1200">
           <a:solidFill>
             <a:schemeClr val="tx1"/>
           </a:solidFill>
@@ -3209,8 +2854,8 @@
       <a:defPPr>
         <a:defRPr lang="en-US"/>
       </a:defPPr>
-      <a:lvl1pPr marL="0" algn="l" defTabSz="914400" rtl="0" eaLnBrk="1" latinLnBrk="0" hangingPunct="1">
-        <a:defRPr sz="1800" kern="1200">
+      <a:lvl1pPr marL="0" algn="l" defTabSz="685800" rtl="0" eaLnBrk="1" latinLnBrk="0" hangingPunct="1">
+        <a:defRPr sz="1350" kern="1200">
           <a:solidFill>
             <a:schemeClr val="tx1"/>
           </a:solidFill>
@@ -3219,8 +2864,8 @@
           <a:cs typeface="+mn-cs"/>
         </a:defRPr>
       </a:lvl1pPr>
-      <a:lvl2pPr marL="457200" algn="l" defTabSz="914400" rtl="0" eaLnBrk="1" latinLnBrk="0" hangingPunct="1">
-        <a:defRPr sz="1800" kern="1200">
+      <a:lvl2pPr marL="342900" algn="l" defTabSz="685800" rtl="0" eaLnBrk="1" latinLnBrk="0" hangingPunct="1">
+        <a:defRPr sz="1350" kern="1200">
           <a:solidFill>
             <a:schemeClr val="tx1"/>
           </a:solidFill>
@@ -3229,8 +2874,8 @@
           <a:cs typeface="+mn-cs"/>
         </a:defRPr>
       </a:lvl2pPr>
-      <a:lvl3pPr marL="914400" algn="l" defTabSz="914400" rtl="0" eaLnBrk="1" latinLnBrk="0" hangingPunct="1">
-        <a:defRPr sz="1800" kern="1200">
+      <a:lvl3pPr marL="685800" algn="l" defTabSz="685800" rtl="0" eaLnBrk="1" latinLnBrk="0" hangingPunct="1">
+        <a:defRPr sz="1350" kern="1200">
           <a:solidFill>
             <a:schemeClr val="tx1"/>
           </a:solidFill>
@@ -3239,8 +2884,8 @@
           <a:cs typeface="+mn-cs"/>
         </a:defRPr>
       </a:lvl3pPr>
-      <a:lvl4pPr marL="1371600" algn="l" defTabSz="914400" rtl="0" eaLnBrk="1" latinLnBrk="0" hangingPunct="1">
-        <a:defRPr sz="1800" kern="1200">
+      <a:lvl4pPr marL="1028700" algn="l" defTabSz="685800" rtl="0" eaLnBrk="1" latinLnBrk="0" hangingPunct="1">
+        <a:defRPr sz="1350" kern="1200">
           <a:solidFill>
             <a:schemeClr val="tx1"/>
           </a:solidFill>
@@ -3249,8 +2894,8 @@
           <a:cs typeface="+mn-cs"/>
         </a:defRPr>
       </a:lvl4pPr>
-      <a:lvl5pPr marL="1828800" algn="l" defTabSz="914400" rtl="0" eaLnBrk="1" latinLnBrk="0" hangingPunct="1">
-        <a:defRPr sz="1800" kern="1200">
+      <a:lvl5pPr marL="1371600" algn="l" defTabSz="685800" rtl="0" eaLnBrk="1" latinLnBrk="0" hangingPunct="1">
+        <a:defRPr sz="1350" kern="1200">
           <a:solidFill>
             <a:schemeClr val="tx1"/>
           </a:solidFill>
@@ -3259,8 +2904,8 @@
           <a:cs typeface="+mn-cs"/>
         </a:defRPr>
       </a:lvl5pPr>
-      <a:lvl6pPr marL="2286000" algn="l" defTabSz="914400" rtl="0" eaLnBrk="1" latinLnBrk="0" hangingPunct="1">
-        <a:defRPr sz="1800" kern="1200">
+      <a:lvl6pPr marL="1714500" algn="l" defTabSz="685800" rtl="0" eaLnBrk="1" latinLnBrk="0" hangingPunct="1">
+        <a:defRPr sz="1350" kern="1200">
           <a:solidFill>
             <a:schemeClr val="tx1"/>
           </a:solidFill>
@@ -3269,8 +2914,8 @@
           <a:cs typeface="+mn-cs"/>
         </a:defRPr>
       </a:lvl6pPr>
-      <a:lvl7pPr marL="2743200" algn="l" defTabSz="914400" rtl="0" eaLnBrk="1" latinLnBrk="0" hangingPunct="1">
-        <a:defRPr sz="1800" kern="1200">
+      <a:lvl7pPr marL="2057400" algn="l" defTabSz="685800" rtl="0" eaLnBrk="1" latinLnBrk="0" hangingPunct="1">
+        <a:defRPr sz="1350" kern="1200">
           <a:solidFill>
             <a:schemeClr val="tx1"/>
           </a:solidFill>
@@ -3279,8 +2924,8 @@
           <a:cs typeface="+mn-cs"/>
         </a:defRPr>
       </a:lvl7pPr>
-      <a:lvl8pPr marL="3200400" algn="l" defTabSz="914400" rtl="0" eaLnBrk="1" latinLnBrk="0" hangingPunct="1">
-        <a:defRPr sz="1800" kern="1200">
+      <a:lvl8pPr marL="2400300" algn="l" defTabSz="685800" rtl="0" eaLnBrk="1" latinLnBrk="0" hangingPunct="1">
+        <a:defRPr sz="1350" kern="1200">
           <a:solidFill>
             <a:schemeClr val="tx1"/>
           </a:solidFill>
@@ -3289,8 +2934,8 @@
           <a:cs typeface="+mn-cs"/>
         </a:defRPr>
       </a:lvl8pPr>
-      <a:lvl9pPr marL="3657600" algn="l" defTabSz="914400" rtl="0" eaLnBrk="1" latinLnBrk="0" hangingPunct="1">
-        <a:defRPr sz="1800" kern="1200">
+      <a:lvl9pPr marL="2743200" algn="l" defTabSz="685800" rtl="0" eaLnBrk="1" latinLnBrk="0" hangingPunct="1">
+        <a:defRPr sz="1350" kern="1200">
           <a:solidFill>
             <a:schemeClr val="tx1"/>
           </a:solidFill>
@@ -3323,10 +2968,10 @@
       </p:grpSpPr>
       <p:pic>
         <p:nvPicPr>
-          <p:cNvPr id="9" name="Picture 8">
+          <p:cNvPr id="15" name="Picture 14">
             <a:extLst>
               <a:ext uri="{FF2B5EF4-FFF2-40B4-BE49-F238E27FC236}">
-                <a16:creationId xmlns:a16="http://schemas.microsoft.com/office/drawing/2014/main" id="{EFC0B78F-383C-302E-5C69-1E74FD73C68D}"/>
+                <a16:creationId xmlns:a16="http://schemas.microsoft.com/office/drawing/2014/main" id="{F3E6D409-76FF-9CB8-F1D3-9693F64EA8F6}"/>
               </a:ext>
             </a:extLst>
           </p:cNvPr>
@@ -3343,8 +2988,158 @@
         </p:blipFill>
         <p:spPr>
           <a:xfrm>
-            <a:off x="1023770" y="260873"/>
-            <a:ext cx="4572000" cy="2743200"/>
+            <a:off x="3429000" y="175590"/>
+            <a:ext cx="3429000" cy="2057400"/>
+          </a:xfrm>
+          <a:prstGeom prst="rect">
+            <a:avLst/>
+          </a:prstGeom>
+        </p:spPr>
+      </p:pic>
+      <p:pic>
+        <p:nvPicPr>
+          <p:cNvPr id="21" name="Picture 20">
+            <a:extLst>
+              <a:ext uri="{FF2B5EF4-FFF2-40B4-BE49-F238E27FC236}">
+                <a16:creationId xmlns:a16="http://schemas.microsoft.com/office/drawing/2014/main" id="{317E093A-CCD8-70F0-63B0-A2B2ADCE96F2}"/>
+              </a:ext>
+            </a:extLst>
+          </p:cNvPr>
+          <p:cNvPicPr>
+            <a:picLocks noChangeAspect="1"/>
+          </p:cNvPicPr>
+          <p:nvPr/>
+        </p:nvPicPr>
+        <p:blipFill>
+          <a:blip r:embed="rId3"/>
+          <a:stretch>
+            <a:fillRect/>
+          </a:stretch>
+        </p:blipFill>
+        <p:spPr>
+          <a:xfrm>
+            <a:off x="5507" y="4726076"/>
+            <a:ext cx="3429000" cy="2057400"/>
+          </a:xfrm>
+          <a:prstGeom prst="rect">
+            <a:avLst/>
+          </a:prstGeom>
+        </p:spPr>
+      </p:pic>
+      <p:pic>
+        <p:nvPicPr>
+          <p:cNvPr id="22" name="Picture 21">
+            <a:extLst>
+              <a:ext uri="{FF2B5EF4-FFF2-40B4-BE49-F238E27FC236}">
+                <a16:creationId xmlns:a16="http://schemas.microsoft.com/office/drawing/2014/main" id="{6124F57C-9603-F4D3-DD70-99833B2EB78F}"/>
+              </a:ext>
+            </a:extLst>
+          </p:cNvPr>
+          <p:cNvPicPr>
+            <a:picLocks noChangeAspect="1"/>
+          </p:cNvPicPr>
+          <p:nvPr/>
+        </p:nvPicPr>
+        <p:blipFill>
+          <a:blip r:embed="rId4"/>
+          <a:stretch>
+            <a:fillRect/>
+          </a:stretch>
+        </p:blipFill>
+        <p:spPr>
+          <a:xfrm>
+            <a:off x="3429000" y="4737693"/>
+            <a:ext cx="3429000" cy="2057400"/>
+          </a:xfrm>
+          <a:prstGeom prst="rect">
+            <a:avLst/>
+          </a:prstGeom>
+        </p:spPr>
+      </p:pic>
+      <p:pic>
+        <p:nvPicPr>
+          <p:cNvPr id="20" name="Picture 19">
+            <a:extLst>
+              <a:ext uri="{FF2B5EF4-FFF2-40B4-BE49-F238E27FC236}">
+                <a16:creationId xmlns:a16="http://schemas.microsoft.com/office/drawing/2014/main" id="{640717CE-88AC-7F0D-898A-8E4007CDDC9D}"/>
+              </a:ext>
+            </a:extLst>
+          </p:cNvPr>
+          <p:cNvPicPr>
+            <a:picLocks noChangeAspect="1"/>
+          </p:cNvPicPr>
+          <p:nvPr/>
+        </p:nvPicPr>
+        <p:blipFill>
+          <a:blip r:embed="rId5"/>
+          <a:stretch>
+            <a:fillRect/>
+          </a:stretch>
+        </p:blipFill>
+        <p:spPr>
+          <a:xfrm>
+            <a:off x="3429000" y="2450833"/>
+            <a:ext cx="3429000" cy="2057400"/>
+          </a:xfrm>
+          <a:prstGeom prst="rect">
+            <a:avLst/>
+          </a:prstGeom>
+        </p:spPr>
+      </p:pic>
+      <p:pic>
+        <p:nvPicPr>
+          <p:cNvPr id="19" name="Picture 18">
+            <a:extLst>
+              <a:ext uri="{FF2B5EF4-FFF2-40B4-BE49-F238E27FC236}">
+                <a16:creationId xmlns:a16="http://schemas.microsoft.com/office/drawing/2014/main" id="{6D824A48-A597-D436-A6E2-6D510855CD45}"/>
+              </a:ext>
+            </a:extLst>
+          </p:cNvPr>
+          <p:cNvPicPr>
+            <a:picLocks noChangeAspect="1"/>
+          </p:cNvPicPr>
+          <p:nvPr/>
+        </p:nvPicPr>
+        <p:blipFill>
+          <a:blip r:embed="rId6"/>
+          <a:stretch>
+            <a:fillRect/>
+          </a:stretch>
+        </p:blipFill>
+        <p:spPr>
+          <a:xfrm>
+            <a:off x="0" y="175590"/>
+            <a:ext cx="3429000" cy="2057400"/>
+          </a:xfrm>
+          <a:prstGeom prst="rect">
+            <a:avLst/>
+          </a:prstGeom>
+        </p:spPr>
+      </p:pic>
+      <p:pic>
+        <p:nvPicPr>
+          <p:cNvPr id="17" name="Picture 16">
+            <a:extLst>
+              <a:ext uri="{FF2B5EF4-FFF2-40B4-BE49-F238E27FC236}">
+                <a16:creationId xmlns:a16="http://schemas.microsoft.com/office/drawing/2014/main" id="{72C635FE-9D2B-F5C2-E66A-11550DB0BE2C}"/>
+              </a:ext>
+            </a:extLst>
+          </p:cNvPr>
+          <p:cNvPicPr>
+            <a:picLocks noChangeAspect="1"/>
+          </p:cNvPicPr>
+          <p:nvPr/>
+        </p:nvPicPr>
+        <p:blipFill>
+          <a:blip r:embed="rId7"/>
+          <a:stretch>
+            <a:fillRect/>
+          </a:stretch>
+        </p:blipFill>
+        <p:spPr>
+          <a:xfrm>
+            <a:off x="0" y="2450833"/>
+            <a:ext cx="3429000" cy="2057400"/>
           </a:xfrm>
           <a:prstGeom prst="rect">
             <a:avLst/>
@@ -3365,8 +3160,8 @@
         </p:nvSpPr>
         <p:spPr>
           <a:xfrm>
-            <a:off x="794380" y="260873"/>
-            <a:ext cx="458780" cy="369332"/>
+            <a:off x="58613" y="163973"/>
+            <a:ext cx="389850" cy="300082"/>
           </a:xfrm>
           <a:prstGeom prst="rect">
             <a:avLst/>
@@ -3380,7 +3175,7 @@
           <a:lstStyle/>
           <a:p>
             <a:r>
-              <a:rPr lang="en-US" dirty="0"/>
+              <a:rPr lang="en-US" sz="1350" dirty="0"/>
               <a:t>(A)</a:t>
             </a:r>
           </a:p>
@@ -3400,8 +3195,8 @@
         </p:nvSpPr>
         <p:spPr>
           <a:xfrm>
-            <a:off x="6137452" y="260873"/>
-            <a:ext cx="450764" cy="369332"/>
+            <a:off x="3877463" y="175590"/>
+            <a:ext cx="385042" cy="300082"/>
           </a:xfrm>
           <a:prstGeom prst="rect">
             <a:avLst/>
@@ -3415,7 +3210,7 @@
           <a:lstStyle/>
           <a:p>
             <a:r>
-              <a:rPr lang="en-US" dirty="0"/>
+              <a:rPr lang="en-US" sz="1350" dirty="0"/>
               <a:t>(B)</a:t>
             </a:r>
           </a:p>
@@ -3435,8 +3230,8 @@
         </p:nvSpPr>
         <p:spPr>
           <a:xfrm>
-            <a:off x="753144" y="3429000"/>
-            <a:ext cx="449162" cy="369332"/>
+            <a:off x="0" y="2450833"/>
+            <a:ext cx="383438" cy="300082"/>
           </a:xfrm>
           <a:prstGeom prst="rect">
             <a:avLst/>
@@ -3450,7 +3245,7 @@
           <a:lstStyle/>
           <a:p>
             <a:r>
-              <a:rPr lang="en-US" dirty="0"/>
+              <a:rPr lang="en-US" sz="1350" dirty="0"/>
               <a:t>(C)</a:t>
             </a:r>
           </a:p>
@@ -3470,8 +3265,8 @@
         </p:nvSpPr>
         <p:spPr>
           <a:xfrm>
-            <a:off x="6137452" y="3460370"/>
-            <a:ext cx="468398" cy="369332"/>
+            <a:off x="3416176" y="2462450"/>
+            <a:ext cx="396262" cy="300082"/>
           </a:xfrm>
           <a:prstGeom prst="rect">
             <a:avLst/>
@@ -3485,8 +3280,78 @@
           <a:lstStyle/>
           <a:p>
             <a:r>
-              <a:rPr lang="en-US" dirty="0"/>
+              <a:rPr lang="en-US" sz="1350" dirty="0"/>
               <a:t>(D)</a:t>
+            </a:r>
+          </a:p>
+        </p:txBody>
+      </p:sp>
+      <p:sp>
+        <p:nvSpPr>
+          <p:cNvPr id="23" name="TextBox 22">
+            <a:extLst>
+              <a:ext uri="{FF2B5EF4-FFF2-40B4-BE49-F238E27FC236}">
+                <a16:creationId xmlns:a16="http://schemas.microsoft.com/office/drawing/2014/main" id="{40B2AF1D-471A-108C-E5E6-8293DB552A37}"/>
+              </a:ext>
+            </a:extLst>
+          </p:cNvPr>
+          <p:cNvSpPr txBox="1"/>
+          <p:nvPr/>
+        </p:nvSpPr>
+        <p:spPr>
+          <a:xfrm>
+            <a:off x="-12824" y="4564418"/>
+            <a:ext cx="375424" cy="300082"/>
+          </a:xfrm>
+          <a:prstGeom prst="rect">
+            <a:avLst/>
+          </a:prstGeom>
+          <a:noFill/>
+        </p:spPr>
+        <p:txBody>
+          <a:bodyPr wrap="none" rtlCol="0">
+            <a:spAutoFit/>
+          </a:bodyPr>
+          <a:lstStyle/>
+          <a:p>
+            <a:r>
+              <a:rPr lang="en-US" sz="1350" dirty="0"/>
+              <a:t>(E)</a:t>
+            </a:r>
+          </a:p>
+        </p:txBody>
+      </p:sp>
+      <p:sp>
+        <p:nvSpPr>
+          <p:cNvPr id="24" name="TextBox 23">
+            <a:extLst>
+              <a:ext uri="{FF2B5EF4-FFF2-40B4-BE49-F238E27FC236}">
+                <a16:creationId xmlns:a16="http://schemas.microsoft.com/office/drawing/2014/main" id="{A29F04F3-9513-5921-DAE6-E632F587A583}"/>
+              </a:ext>
+            </a:extLst>
+          </p:cNvPr>
+          <p:cNvSpPr txBox="1"/>
+          <p:nvPr/>
+        </p:nvSpPr>
+        <p:spPr>
+          <a:xfrm>
+            <a:off x="3416176" y="4624802"/>
+            <a:ext cx="370614" cy="300082"/>
+          </a:xfrm>
+          <a:prstGeom prst="rect">
+            <a:avLst/>
+          </a:prstGeom>
+          <a:noFill/>
+        </p:spPr>
+        <p:txBody>
+          <a:bodyPr wrap="none" rtlCol="0">
+            <a:spAutoFit/>
+          </a:bodyPr>
+          <a:lstStyle/>
+          <a:p>
+            <a:r>
+              <a:rPr lang="en-US" sz="1350" dirty="0"/>
+              <a:t>(F)</a:t>
             </a:r>
           </a:p>
         </p:txBody>
@@ -3507,7 +3372,7 @@
 <file path=ppt/theme/theme1.xml><?xml version="1.0" encoding="utf-8"?>
 <a:theme xmlns:a="http://schemas.openxmlformats.org/drawingml/2006/main" name="Office Theme">
   <a:themeElements>
-    <a:clrScheme name="Office">
+    <a:clrScheme name="Office Theme">
       <a:dk1>
         <a:sysClr val="windowText" lastClr="000000"/>
       </a:dk1>
@@ -3545,7 +3410,7 @@
         <a:srgbClr val="954F72"/>
       </a:folHlink>
     </a:clrScheme>
-    <a:fontScheme name="Office">
+    <a:fontScheme name="Office Theme">
       <a:majorFont>
         <a:latin typeface="Calibri Light" panose="020F0302020204030204"/>
         <a:ea typeface=""/>
@@ -3580,23 +3445,6 @@
         <a:font script="Viet" typeface="Times New Roman"/>
         <a:font script="Uigh" typeface="Microsoft Uighur"/>
         <a:font script="Geor" typeface="Sylfaen"/>
-        <a:font script="Armn" typeface="Arial"/>
-        <a:font script="Bugi" typeface="Leelawadee UI"/>
-        <a:font script="Bopo" typeface="Microsoft JhengHei"/>
-        <a:font script="Java" typeface="Javanese Text"/>
-        <a:font script="Lisu" typeface="Segoe UI"/>
-        <a:font script="Mymr" typeface="Myanmar Text"/>
-        <a:font script="Nkoo" typeface="Ebrima"/>
-        <a:font script="Olck" typeface="Nirmala UI"/>
-        <a:font script="Osma" typeface="Ebrima"/>
-        <a:font script="Phag" typeface="Phagspa"/>
-        <a:font script="Syrn" typeface="Estrangelo Edessa"/>
-        <a:font script="Syrj" typeface="Estrangelo Edessa"/>
-        <a:font script="Syre" typeface="Estrangelo Edessa"/>
-        <a:font script="Sora" typeface="Nirmala UI"/>
-        <a:font script="Tale" typeface="Microsoft Tai Le"/>
-        <a:font script="Talu" typeface="Microsoft New Tai Lue"/>
-        <a:font script="Tfng" typeface="Ebrima"/>
       </a:majorFont>
       <a:minorFont>
         <a:latin typeface="Calibri" panose="020F0502020204030204"/>
@@ -3632,26 +3480,9 @@
         <a:font script="Viet" typeface="Arial"/>
         <a:font script="Uigh" typeface="Microsoft Uighur"/>
         <a:font script="Geor" typeface="Sylfaen"/>
-        <a:font script="Armn" typeface="Arial"/>
-        <a:font script="Bugi" typeface="Leelawadee UI"/>
-        <a:font script="Bopo" typeface="Microsoft JhengHei"/>
-        <a:font script="Java" typeface="Javanese Text"/>
-        <a:font script="Lisu" typeface="Segoe UI"/>
-        <a:font script="Mymr" typeface="Myanmar Text"/>
-        <a:font script="Nkoo" typeface="Ebrima"/>
-        <a:font script="Olck" typeface="Nirmala UI"/>
-        <a:font script="Osma" typeface="Ebrima"/>
-        <a:font script="Phag" typeface="Phagspa"/>
-        <a:font script="Syrn" typeface="Estrangelo Edessa"/>
-        <a:font script="Syrj" typeface="Estrangelo Edessa"/>
-        <a:font script="Syre" typeface="Estrangelo Edessa"/>
-        <a:font script="Sora" typeface="Nirmala UI"/>
-        <a:font script="Tale" typeface="Microsoft Tai Le"/>
-        <a:font script="Talu" typeface="Microsoft New Tai Lue"/>
-        <a:font script="Tfng" typeface="Ebrima"/>
       </a:minorFont>
     </a:fontScheme>
-    <a:fmtScheme name="Office">
+    <a:fmtScheme name="Office Theme">
       <a:fillStyleLst>
         <a:solidFill>
           <a:schemeClr val="phClr"/>
